--- a/OS/Tut slides/Tutorial4_18th September.pptx
+++ b/OS/Tut slides/Tutorial4_18th September.pptx
@@ -139,7 +139,18 @@
   </p:defaultTextStyle>
   <p:extLst>
     <p:ext uri="{EFAFB233-063F-42B5-8137-9DF3F51BA10A}">
-      <p15:sldGuideLst xmlns="" xmlns:p15="http://schemas.microsoft.com/office/powerpoint/2012/main"/>
+      <p15:sldGuideLst xmlns:p15="http://schemas.microsoft.com/office/powerpoint/2012/main">
+        <p15:guide id="1" orient="horz" pos="2160">
+          <p15:clr>
+            <a:srgbClr val="A4A3A4"/>
+          </p15:clr>
+        </p15:guide>
+        <p15:guide id="2" pos="3840">
+          <p15:clr>
+            <a:srgbClr val="A4A3A4"/>
+          </p15:clr>
+        </p15:guide>
+      </p15:sldGuideLst>
     </p:ext>
   </p:extLst>
 </p:presentation>
@@ -228,7 +239,7 @@
             <a:fld id="{24F01540-421D-48DC-8013-99B9BAB10711}" type="datetimeFigureOut">
               <a:rPr lang="en-US" smtClean="0"/>
               <a:pPr/>
-              <a:t>9/18/2020</a:t>
+              <a:t>11/21/2020</a:t>
             </a:fld>
             <a:endParaRPr lang="en-US"/>
           </a:p>
@@ -304,7 +315,7 @@
     </p:spTree>
     <p:extLst>
       <p:ext uri="{BB962C8B-B14F-4D97-AF65-F5344CB8AC3E}">
-        <p14:creationId xmlns="" xmlns:p14="http://schemas.microsoft.com/office/powerpoint/2010/main" val="1956448117"/>
+        <p14:creationId xmlns:p14="http://schemas.microsoft.com/office/powerpoint/2010/main" val="1956448117"/>
       </p:ext>
     </p:extLst>
   </p:cSld>
@@ -395,7 +406,7 @@
             <a:fld id="{7596542E-1F94-4BFF-85BC-D1993039EB66}" type="datetimeFigureOut">
               <a:rPr lang="en-US" smtClean="0"/>
               <a:pPr/>
-              <a:t>9/18/2020</a:t>
+              <a:t>11/21/2020</a:t>
             </a:fld>
             <a:endParaRPr lang="en-US"/>
           </a:p>
@@ -563,7 +574,7 @@
     </p:spTree>
     <p:extLst>
       <p:ext uri="{BB962C8B-B14F-4D97-AF65-F5344CB8AC3E}">
-        <p14:creationId xmlns="" xmlns:p14="http://schemas.microsoft.com/office/powerpoint/2010/main" val="862085589"/>
+        <p14:creationId xmlns:p14="http://schemas.microsoft.com/office/powerpoint/2010/main" val="862085589"/>
       </p:ext>
     </p:extLst>
   </p:cSld>
@@ -797,8 +808,8 @@
         </p:nvSpPr>
         <p:spPr bwMode="auto">
           <a:xfrm>
-            <a:off x="1567525" y="874766"/>
-            <a:ext cx="3944298" cy="2997121"/>
+            <a:off x="876300" y="874713"/>
+            <a:ext cx="5326063" cy="2997200"/>
           </a:xfrm>
           <a:prstGeom prst="rect">
             <a:avLst/>
@@ -1716,7 +1727,7 @@
             <a:fld id="{284DD1E6-98E2-4CFF-9B94-DED2EAC5ECC5}" type="datetime1">
               <a:rPr lang="en-US" smtClean="0"/>
               <a:pPr/>
-              <a:t>9/18/2020</a:t>
+              <a:t>11/21/2020</a:t>
             </a:fld>
             <a:endParaRPr lang="en-US"/>
           </a:p>
@@ -1768,7 +1779,7 @@
     </p:spTree>
     <p:extLst>
       <p:ext uri="{BB962C8B-B14F-4D97-AF65-F5344CB8AC3E}">
-        <p14:creationId xmlns="" xmlns:p14="http://schemas.microsoft.com/office/powerpoint/2010/main" val="2581785398"/>
+        <p14:creationId xmlns:p14="http://schemas.microsoft.com/office/powerpoint/2010/main" val="2581785398"/>
       </p:ext>
     </p:extLst>
   </p:cSld>
@@ -1886,7 +1897,7 @@
             <a:fld id="{5ECDC141-D057-4CAD-A673-A11D757D2FD8}" type="datetime1">
               <a:rPr lang="en-US" smtClean="0"/>
               <a:pPr/>
-              <a:t>9/18/2020</a:t>
+              <a:t>11/21/2020</a:t>
             </a:fld>
             <a:endParaRPr lang="en-US"/>
           </a:p>
@@ -1938,7 +1949,7 @@
     </p:spTree>
     <p:extLst>
       <p:ext uri="{BB962C8B-B14F-4D97-AF65-F5344CB8AC3E}">
-        <p14:creationId xmlns="" xmlns:p14="http://schemas.microsoft.com/office/powerpoint/2010/main" val="3091634436"/>
+        <p14:creationId xmlns:p14="http://schemas.microsoft.com/office/powerpoint/2010/main" val="3091634436"/>
       </p:ext>
     </p:extLst>
   </p:cSld>
@@ -2066,7 +2077,7 @@
             <a:fld id="{E67EB398-6C0D-42D6-A692-7AACB1E96F6C}" type="datetime1">
               <a:rPr lang="en-US" smtClean="0"/>
               <a:pPr/>
-              <a:t>9/18/2020</a:t>
+              <a:t>11/21/2020</a:t>
             </a:fld>
             <a:endParaRPr lang="en-US"/>
           </a:p>
@@ -2118,7 +2129,7 @@
     </p:spTree>
     <p:extLst>
       <p:ext uri="{BB962C8B-B14F-4D97-AF65-F5344CB8AC3E}">
-        <p14:creationId xmlns="" xmlns:p14="http://schemas.microsoft.com/office/powerpoint/2010/main" val="420399429"/>
+        <p14:creationId xmlns:p14="http://schemas.microsoft.com/office/powerpoint/2010/main" val="420399429"/>
       </p:ext>
     </p:extLst>
   </p:cSld>
@@ -2393,14 +2404,14 @@
           <a:p>
             <a:pPr lvl="0"/>
             <a:r>
-              <a:rPr lang="en-GB" dirty="0" smtClean="0"/>
+              <a:rPr lang="en-GB" dirty="0"/>
               <a:t>Presenter details comes here</a:t>
             </a:r>
           </a:p>
           <a:p>
             <a:pPr lvl="0"/>
             <a:r>
-              <a:rPr lang="en-GB" dirty="0" smtClean="0"/>
+              <a:rPr lang="en-GB" dirty="0"/>
               <a:t>Date and other details can come here</a:t>
             </a:r>
           </a:p>
@@ -2443,7 +2454,7 @@
           </a:lstStyle>
           <a:p>
             <a:r>
-              <a:rPr lang="en-GB" dirty="0" smtClean="0"/>
+              <a:rPr lang="en-GB" dirty="0"/>
               <a:t>Please enter the presentation title here</a:t>
             </a:r>
             <a:endParaRPr lang="en-US" dirty="0"/>
@@ -2462,7 +2473,7 @@
           <a:blip r:embed="rId3" cstate="print">
             <a:extLst>
               <a:ext uri="{28A0092B-C50C-407E-A947-70E740481C1C}">
-                <a14:useLocalDpi xmlns="" xmlns:a14="http://schemas.microsoft.com/office/drawing/2010/main" val="0"/>
+                <a14:useLocalDpi xmlns:a14="http://schemas.microsoft.com/office/drawing/2010/main" val="0"/>
               </a:ext>
             </a:extLst>
           </a:blip>
@@ -2563,7 +2574,7 @@
     </p:spTree>
     <p:extLst>
       <p:ext uri="{BB962C8B-B14F-4D97-AF65-F5344CB8AC3E}">
-        <p14:creationId xmlns="" xmlns:p14="http://schemas.microsoft.com/office/powerpoint/2010/main" val="113624312"/>
+        <p14:creationId xmlns:p14="http://schemas.microsoft.com/office/powerpoint/2010/main" val="113624312"/>
       </p:ext>
     </p:extLst>
   </p:cSld>
@@ -2724,17 +2735,16 @@
           <a:p>
             <a:pPr lvl="0"/>
             <a:r>
-              <a:rPr lang="en-US" dirty="0" smtClean="0"/>
+              <a:rPr lang="en-US" dirty="0"/>
               <a:t>Topic headings here </a:t>
             </a:r>
           </a:p>
           <a:p>
             <a:pPr lvl="0"/>
             <a:r>
-              <a:rPr lang="en-US" dirty="0" smtClean="0"/>
+              <a:rPr lang="en-US" dirty="0"/>
               <a:t>(separator - can run in two lines)</a:t>
             </a:r>
-            <a:endParaRPr lang="en-US" dirty="0"/>
           </a:p>
         </p:txBody>
       </p:sp>
@@ -3086,7 +3096,7 @@
             <a:fld id="{73CBE50B-9B15-4E7D-895A-F016DE8F3550}" type="datetime1">
               <a:rPr lang="en-US" smtClean="0"/>
               <a:pPr/>
-              <a:t>9/18/2020</a:t>
+              <a:t>11/21/2020</a:t>
             </a:fld>
             <a:endParaRPr lang="en-US"/>
           </a:p>
@@ -3526,7 +3536,7 @@
     </p:spTree>
     <p:extLst>
       <p:ext uri="{BB962C8B-B14F-4D97-AF65-F5344CB8AC3E}">
-        <p14:creationId xmlns="" xmlns:p14="http://schemas.microsoft.com/office/powerpoint/2010/main" val="1165751546"/>
+        <p14:creationId xmlns:p14="http://schemas.microsoft.com/office/powerpoint/2010/main" val="1165751546"/>
       </p:ext>
     </p:extLst>
   </p:cSld>
@@ -3721,7 +3731,7 @@
             <a:fld id="{F7F21298-ADF1-4541-8D2E-255560A00478}" type="datetime1">
               <a:rPr lang="en-US" smtClean="0"/>
               <a:pPr/>
-              <a:t>9/18/2020</a:t>
+              <a:t>11/21/2020</a:t>
             </a:fld>
             <a:endParaRPr lang="en-US"/>
           </a:p>
@@ -3773,7 +3783,7 @@
     </p:spTree>
     <p:extLst>
       <p:ext uri="{BB962C8B-B14F-4D97-AF65-F5344CB8AC3E}">
-        <p14:creationId xmlns="" xmlns:p14="http://schemas.microsoft.com/office/powerpoint/2010/main" val="1745191756"/>
+        <p14:creationId xmlns:p14="http://schemas.microsoft.com/office/powerpoint/2010/main" val="1745191756"/>
       </p:ext>
     </p:extLst>
   </p:cSld>
@@ -4008,7 +4018,7 @@
             <a:fld id="{4EB629C4-A9A8-4BC8-83D0-05C44A915FFA}" type="datetime1">
               <a:rPr lang="en-US" smtClean="0"/>
               <a:pPr/>
-              <a:t>9/18/2020</a:t>
+              <a:t>11/21/2020</a:t>
             </a:fld>
             <a:endParaRPr lang="en-US"/>
           </a:p>
@@ -4060,7 +4070,7 @@
     </p:spTree>
     <p:extLst>
       <p:ext uri="{BB962C8B-B14F-4D97-AF65-F5344CB8AC3E}">
-        <p14:creationId xmlns="" xmlns:p14="http://schemas.microsoft.com/office/powerpoint/2010/main" val="2334666160"/>
+        <p14:creationId xmlns:p14="http://schemas.microsoft.com/office/powerpoint/2010/main" val="2334666160"/>
       </p:ext>
     </p:extLst>
   </p:cSld>
@@ -4429,7 +4439,7 @@
             <a:fld id="{7DA186CA-3B83-4977-A374-34B9EF81401C}" type="datetime1">
               <a:rPr lang="en-US" smtClean="0"/>
               <a:pPr/>
-              <a:t>9/18/2020</a:t>
+              <a:t>11/21/2020</a:t>
             </a:fld>
             <a:endParaRPr lang="en-US"/>
           </a:p>
@@ -4481,7 +4491,7 @@
     </p:spTree>
     <p:extLst>
       <p:ext uri="{BB962C8B-B14F-4D97-AF65-F5344CB8AC3E}">
-        <p14:creationId xmlns="" xmlns:p14="http://schemas.microsoft.com/office/powerpoint/2010/main" val="818609651"/>
+        <p14:creationId xmlns:p14="http://schemas.microsoft.com/office/powerpoint/2010/main" val="818609651"/>
       </p:ext>
     </p:extLst>
   </p:cSld>
@@ -4553,7 +4563,7 @@
             <a:fld id="{8ABC8FEE-C7EF-4735-88EF-5C9E17B638E7}" type="datetime1">
               <a:rPr lang="en-US" smtClean="0"/>
               <a:pPr/>
-              <a:t>9/18/2020</a:t>
+              <a:t>11/21/2020</a:t>
             </a:fld>
             <a:endParaRPr lang="en-US"/>
           </a:p>
@@ -5003,7 +5013,7 @@
     </p:spTree>
     <p:extLst>
       <p:ext uri="{BB962C8B-B14F-4D97-AF65-F5344CB8AC3E}">
-        <p14:creationId xmlns="" xmlns:p14="http://schemas.microsoft.com/office/powerpoint/2010/main" val="2366464580"/>
+        <p14:creationId xmlns:p14="http://schemas.microsoft.com/office/powerpoint/2010/main" val="2366464580"/>
       </p:ext>
     </p:extLst>
   </p:cSld>
@@ -5048,7 +5058,7 @@
             <a:fld id="{E9FF2F61-8405-424C-A95C-5CE390E5AA4C}" type="datetime1">
               <a:rPr lang="en-US" smtClean="0"/>
               <a:pPr/>
-              <a:t>9/18/2020</a:t>
+              <a:t>11/21/2020</a:t>
             </a:fld>
             <a:endParaRPr lang="en-US"/>
           </a:p>
@@ -5100,7 +5110,7 @@
     </p:spTree>
     <p:extLst>
       <p:ext uri="{BB962C8B-B14F-4D97-AF65-F5344CB8AC3E}">
-        <p14:creationId xmlns="" xmlns:p14="http://schemas.microsoft.com/office/powerpoint/2010/main" val="2200840472"/>
+        <p14:creationId xmlns:p14="http://schemas.microsoft.com/office/powerpoint/2010/main" val="2200840472"/>
       </p:ext>
     </p:extLst>
   </p:cSld>
@@ -5325,7 +5335,7 @@
             <a:fld id="{4454F48D-823E-4A0F-8D72-18A325117E66}" type="datetime1">
               <a:rPr lang="en-US" smtClean="0"/>
               <a:pPr/>
-              <a:t>9/18/2020</a:t>
+              <a:t>11/21/2020</a:t>
             </a:fld>
             <a:endParaRPr lang="en-US"/>
           </a:p>
@@ -5377,7 +5387,7 @@
     </p:spTree>
     <p:extLst>
       <p:ext uri="{BB962C8B-B14F-4D97-AF65-F5344CB8AC3E}">
-        <p14:creationId xmlns="" xmlns:p14="http://schemas.microsoft.com/office/powerpoint/2010/main" val="166308937"/>
+        <p14:creationId xmlns:p14="http://schemas.microsoft.com/office/powerpoint/2010/main" val="166308937"/>
       </p:ext>
     </p:extLst>
   </p:cSld>
@@ -5582,7 +5592,7 @@
             <a:fld id="{8456A26C-7647-465B-B277-A43DF24D03B4}" type="datetime1">
               <a:rPr lang="en-US" smtClean="0"/>
               <a:pPr/>
-              <a:t>9/18/2020</a:t>
+              <a:t>11/21/2020</a:t>
             </a:fld>
             <a:endParaRPr lang="en-US"/>
           </a:p>
@@ -5634,7 +5644,7 @@
     </p:spTree>
     <p:extLst>
       <p:ext uri="{BB962C8B-B14F-4D97-AF65-F5344CB8AC3E}">
-        <p14:creationId xmlns="" xmlns:p14="http://schemas.microsoft.com/office/powerpoint/2010/main" val="1794996884"/>
+        <p14:creationId xmlns:p14="http://schemas.microsoft.com/office/powerpoint/2010/main" val="1794996884"/>
       </p:ext>
     </p:extLst>
   </p:cSld>
@@ -5795,7 +5805,7 @@
             <a:fld id="{03B5CB51-6CFA-4266-B986-733858B17F64}" type="datetime1">
               <a:rPr lang="en-US" smtClean="0"/>
               <a:pPr/>
-              <a:t>9/18/2020</a:t>
+              <a:t>11/21/2020</a:t>
             </a:fld>
             <a:endParaRPr lang="en-US"/>
           </a:p>
@@ -5883,7 +5893,7 @@
     </p:spTree>
     <p:extLst>
       <p:ext uri="{BB962C8B-B14F-4D97-AF65-F5344CB8AC3E}">
-        <p14:creationId xmlns="" xmlns:p14="http://schemas.microsoft.com/office/powerpoint/2010/main" val="2288692620"/>
+        <p14:creationId xmlns:p14="http://schemas.microsoft.com/office/powerpoint/2010/main" val="2288692620"/>
       </p:ext>
     </p:extLst>
   </p:cSld>
@@ -6191,16 +6201,12 @@
           <a:p>
             <a:pPr algn="ctr"/>
             <a:r>
-              <a:rPr lang="en-US" dirty="0" smtClean="0">
+              <a:rPr lang="en-US" dirty="0">
                 <a:latin typeface="Times New Roman" pitchFamily="18" charset="0"/>
                 <a:cs typeface="Times New Roman" pitchFamily="18" charset="0"/>
               </a:rPr>
               <a:t>Operating Systems Tutorial</a:t>
             </a:r>
-            <a:endParaRPr lang="en-US" dirty="0">
-              <a:latin typeface="Times New Roman" pitchFamily="18" charset="0"/>
-              <a:cs typeface="Times New Roman" pitchFamily="18" charset="0"/>
-            </a:endParaRPr>
           </a:p>
         </p:txBody>
       </p:sp>
@@ -6224,14 +6230,14 @@
           <a:bodyPr/>
           <a:lstStyle/>
           <a:p>
-            <a:endParaRPr lang="en-US" dirty="0" smtClean="0">
+            <a:endParaRPr lang="en-US" dirty="0">
               <a:latin typeface="Times New Roman" pitchFamily="18" charset="0"/>
               <a:cs typeface="Times New Roman" pitchFamily="18" charset="0"/>
             </a:endParaRPr>
           </a:p>
           <a:p>
             <a:r>
-              <a:rPr lang="en-US" dirty="0" smtClean="0">
+              <a:rPr lang="en-US" dirty="0">
                 <a:latin typeface="Times New Roman" pitchFamily="18" charset="0"/>
                 <a:cs typeface="Times New Roman" pitchFamily="18" charset="0"/>
               </a:rPr>
@@ -6240,7 +6246,7 @@
           </a:p>
           <a:p>
             <a:r>
-              <a:rPr lang="en-US" dirty="0" smtClean="0">
+              <a:rPr lang="en-US" dirty="0">
                 <a:latin typeface="Times New Roman" pitchFamily="18" charset="0"/>
                 <a:cs typeface="Times New Roman" pitchFamily="18" charset="0"/>
               </a:rPr>
@@ -6249,14 +6255,14 @@
           </a:p>
           <a:p>
             <a:r>
-              <a:rPr lang="en-US" dirty="0" smtClean="0">
+              <a:rPr lang="en-US" dirty="0">
                 <a:latin typeface="Times New Roman" pitchFamily="18" charset="0"/>
                 <a:cs typeface="Times New Roman" pitchFamily="18" charset="0"/>
               </a:rPr>
               <a:t>BITS, </a:t>
             </a:r>
             <a:r>
-              <a:rPr lang="en-US" dirty="0" err="1" smtClean="0">
+              <a:rPr lang="en-US" dirty="0" err="1">
                 <a:latin typeface="Times New Roman" pitchFamily="18" charset="0"/>
                 <a:cs typeface="Times New Roman" pitchFamily="18" charset="0"/>
               </a:rPr>
@@ -6272,20 +6278,13 @@
     </p:spTree>
     <p:extLst>
       <p:ext uri="{BB962C8B-B14F-4D97-AF65-F5344CB8AC3E}">
-        <p14:creationId xmlns="" xmlns:p14="http://schemas.microsoft.com/office/powerpoint/2010/main" val="1445644749"/>
+        <p14:creationId xmlns:p14="http://schemas.microsoft.com/office/powerpoint/2010/main" val="1445644749"/>
       </p:ext>
     </p:extLst>
   </p:cSld>
   <p:clrMapOvr>
     <a:masterClrMapping/>
   </p:clrMapOvr>
-  <p:timing>
-    <p:tnLst>
-      <p:par>
-        <p:cTn id="1" dur="indefinite" restart="never" nodeType="tmRoot"/>
-      </p:par>
-    </p:tnLst>
-  </p:timing>
 </p:sld>
 </file>
 
@@ -6322,7 +6321,7 @@
           <a:lstStyle/>
           <a:p>
             <a:r>
-              <a:rPr kumimoji="1" lang="en-US" altLang="ko-KR" dirty="0" smtClean="0">
+              <a:rPr kumimoji="1" lang="en-US" altLang="ko-KR" dirty="0">
                 <a:latin typeface="Times New Roman" pitchFamily="18" charset="0"/>
                 <a:ea typeface="Gulim" pitchFamily="34" charset="-127"/>
                 <a:cs typeface="Times New Roman" pitchFamily="18" charset="0"/>
@@ -6457,10 +6456,10 @@
                 <a:ea typeface="Gulim" pitchFamily="34" charset="-127"/>
                 <a:cs typeface="Times New Roman" pitchFamily="18" charset="0"/>
               </a:rPr>
-              <a:t>  		          </a:t>
-            </a:r>
-            <a:r>
-              <a:rPr kumimoji="1" lang="en-US" altLang="ko-KR" sz="2400" dirty="0" smtClean="0">
+              <a:t>  		          		</a:t>
+            </a:r>
+            <a:r>
+              <a:rPr kumimoji="1" lang="en-US" altLang="ko-KR" sz="2400" dirty="0" err="1">
                 <a:solidFill>
                   <a:srgbClr val="0000FF"/>
                 </a:solidFill>
@@ -6468,10 +6467,10 @@
                 <a:ea typeface="Gulim" pitchFamily="34" charset="-127"/>
                 <a:cs typeface="Times New Roman" pitchFamily="18" charset="0"/>
               </a:rPr>
-              <a:t>		</a:t>
-            </a:r>
-            <a:r>
-              <a:rPr kumimoji="1" lang="en-US" altLang="ko-KR" sz="2400" dirty="0" err="1" smtClean="0">
+              <a:t>alloc</a:t>
+            </a:r>
+            <a:r>
+              <a:rPr kumimoji="1" lang="en-US" altLang="ko-KR" sz="2400" dirty="0">
                 <a:solidFill>
                   <a:srgbClr val="0000FF"/>
                 </a:solidFill>
@@ -6479,10 +6478,10 @@
                 <a:ea typeface="Gulim" pitchFamily="34" charset="-127"/>
                 <a:cs typeface="Times New Roman" pitchFamily="18" charset="0"/>
               </a:rPr>
-              <a:t>alloc</a:t>
-            </a:r>
-            <a:r>
-              <a:rPr kumimoji="1" lang="en-US" altLang="ko-KR" sz="2400" dirty="0" smtClean="0">
+              <a:t>   free        </a:t>
+            </a:r>
+            <a:r>
+              <a:rPr kumimoji="1" lang="en-US" altLang="ko-KR" sz="2400" dirty="0" err="1">
                 <a:solidFill>
                   <a:srgbClr val="0000FF"/>
                 </a:solidFill>
@@ -6490,7 +6489,7 @@
                 <a:ea typeface="Gulim" pitchFamily="34" charset="-127"/>
                 <a:cs typeface="Times New Roman" pitchFamily="18" charset="0"/>
               </a:rPr>
-              <a:t>   </a:t>
+              <a:t>ialloc</a:t>
             </a:r>
             <a:r>
               <a:rPr kumimoji="1" lang="en-US" altLang="ko-KR" sz="2400" dirty="0">
@@ -6501,10 +6500,10 @@
                 <a:ea typeface="Gulim" pitchFamily="34" charset="-127"/>
                 <a:cs typeface="Times New Roman" pitchFamily="18" charset="0"/>
               </a:rPr>
-              <a:t>free      </a:t>
-            </a:r>
-            <a:r>
-              <a:rPr kumimoji="1" lang="en-US" altLang="ko-KR" sz="2400" dirty="0" smtClean="0">
+              <a:t> 		 </a:t>
+            </a:r>
+            <a:r>
+              <a:rPr kumimoji="1" lang="en-US" altLang="ko-KR" sz="2400" dirty="0" err="1">
                 <a:solidFill>
                   <a:srgbClr val="0000FF"/>
                 </a:solidFill>
@@ -6512,10 +6511,10 @@
                 <a:ea typeface="Gulim" pitchFamily="34" charset="-127"/>
                 <a:cs typeface="Times New Roman" pitchFamily="18" charset="0"/>
               </a:rPr>
-              <a:t>  </a:t>
-            </a:r>
-            <a:r>
-              <a:rPr kumimoji="1" lang="en-US" altLang="ko-KR" sz="2400" dirty="0" err="1" smtClean="0">
+              <a:t>ifree</a:t>
+            </a:r>
+            <a:r>
+              <a:rPr kumimoji="1" lang="en-US" altLang="ko-KR" sz="2400" dirty="0">
                 <a:solidFill>
                   <a:srgbClr val="0000FF"/>
                 </a:solidFill>
@@ -6523,10 +6522,10 @@
                 <a:ea typeface="Gulim" pitchFamily="34" charset="-127"/>
                 <a:cs typeface="Times New Roman" pitchFamily="18" charset="0"/>
               </a:rPr>
-              <a:t>ialloc</a:t>
-            </a:r>
-            <a:r>
-              <a:rPr kumimoji="1" lang="en-US" altLang="ko-KR" sz="2400" dirty="0" smtClean="0">
+              <a:t>      </a:t>
+            </a:r>
+            <a:r>
+              <a:rPr kumimoji="1" lang="en-US" altLang="ko-KR" sz="2400" dirty="0" err="1">
                 <a:solidFill>
                   <a:srgbClr val="0000FF"/>
                 </a:solidFill>
@@ -6534,43 +6533,10 @@
                 <a:ea typeface="Gulim" pitchFamily="34" charset="-127"/>
                 <a:cs typeface="Times New Roman" pitchFamily="18" charset="0"/>
               </a:rPr>
-              <a:t> 		 </a:t>
-            </a:r>
-            <a:r>
-              <a:rPr kumimoji="1" lang="en-US" altLang="ko-KR" sz="2400" dirty="0" err="1">
-                <a:solidFill>
-                  <a:srgbClr val="0000FF"/>
-                </a:solidFill>
-                <a:latin typeface="Times New Roman" pitchFamily="18" charset="0"/>
-                <a:ea typeface="Gulim" pitchFamily="34" charset="-127"/>
-                <a:cs typeface="Times New Roman" pitchFamily="18" charset="0"/>
-              </a:rPr>
-              <a:t>ifree</a:t>
+              <a:t>iget</a:t>
             </a:r>
             <a:r>
               <a:rPr kumimoji="1" lang="en-US" altLang="ko-KR" sz="2400" dirty="0">
-                <a:solidFill>
-                  <a:srgbClr val="0000FF"/>
-                </a:solidFill>
-                <a:latin typeface="Times New Roman" pitchFamily="18" charset="0"/>
-                <a:ea typeface="Gulim" pitchFamily="34" charset="-127"/>
-                <a:cs typeface="Times New Roman" pitchFamily="18" charset="0"/>
-              </a:rPr>
-              <a:t>      </a:t>
-            </a:r>
-            <a:r>
-              <a:rPr kumimoji="1" lang="en-US" altLang="ko-KR" sz="2400" dirty="0" err="1" smtClean="0">
-                <a:solidFill>
-                  <a:srgbClr val="0000FF"/>
-                </a:solidFill>
-                <a:latin typeface="Times New Roman" pitchFamily="18" charset="0"/>
-                <a:ea typeface="Gulim" pitchFamily="34" charset="-127"/>
-                <a:cs typeface="Times New Roman" pitchFamily="18" charset="0"/>
-              </a:rPr>
-              <a:t>iget</a:t>
-            </a:r>
-            <a:r>
-              <a:rPr kumimoji="1" lang="en-US" altLang="ko-KR" sz="2400" dirty="0" smtClean="0">
                 <a:solidFill>
                   <a:srgbClr val="0000FF"/>
                 </a:solidFill>
@@ -6661,7 +6627,7 @@
               <a:buFont typeface="Wingdings" pitchFamily="2" charset="2"/>
               <a:buNone/>
             </a:pPr>
-            <a:endParaRPr kumimoji="1" lang="en-US" altLang="ko-KR" sz="2400" dirty="0" smtClean="0">
+            <a:endParaRPr kumimoji="1" lang="en-US" altLang="ko-KR" sz="2400" dirty="0">
               <a:latin typeface="Times New Roman" pitchFamily="18" charset="0"/>
               <a:ea typeface="Gulim" pitchFamily="34" charset="-127"/>
               <a:cs typeface="Times New Roman" pitchFamily="18" charset="0"/>
@@ -6683,34 +6649,13 @@
               <a:buNone/>
             </a:pPr>
             <a:r>
-              <a:rPr kumimoji="1" lang="en-US" altLang="ko-KR" sz="2400" dirty="0" smtClean="0">
-                <a:latin typeface="Times New Roman" pitchFamily="18" charset="0"/>
-                <a:ea typeface="Gulim" pitchFamily="34" charset="-127"/>
-                <a:cs typeface="Times New Roman" pitchFamily="18" charset="0"/>
-              </a:rPr>
-              <a:t>buffer </a:t>
-            </a:r>
-            <a:r>
               <a:rPr kumimoji="1" lang="en-US" altLang="ko-KR" sz="2400" dirty="0">
                 <a:latin typeface="Times New Roman" pitchFamily="18" charset="0"/>
                 <a:ea typeface="Gulim" pitchFamily="34" charset="-127"/>
                 <a:cs typeface="Times New Roman" pitchFamily="18" charset="0"/>
               </a:rPr>
-              <a:t>allocation </a:t>
-            </a:r>
-            <a:r>
-              <a:rPr kumimoji="1" lang="en-US" altLang="ko-KR" sz="2400" dirty="0" smtClean="0">
-                <a:latin typeface="Times New Roman" pitchFamily="18" charset="0"/>
-                <a:ea typeface="Gulim" pitchFamily="34" charset="-127"/>
-                <a:cs typeface="Times New Roman" pitchFamily="18" charset="0"/>
-              </a:rPr>
-              <a:t>algorithms</a:t>
-            </a:r>
-            <a:endParaRPr kumimoji="1" lang="en-US" altLang="ko-KR" sz="2400" dirty="0">
-              <a:latin typeface="Times New Roman" pitchFamily="18" charset="0"/>
-              <a:ea typeface="Gulim" pitchFamily="34" charset="-127"/>
-              <a:cs typeface="Times New Roman" pitchFamily="18" charset="0"/>
-            </a:endParaRPr>
+              <a:t>buffer allocation algorithms</a:t>
+            </a:r>
           </a:p>
           <a:p>
             <a:pPr algn="ctr" latinLnBrk="1">
@@ -7035,18 +6980,13 @@
               <a:buNone/>
             </a:pPr>
             <a:r>
-              <a:rPr kumimoji="1" lang="en-US" altLang="ko-KR" sz="2800" dirty="0" smtClean="0">
+              <a:rPr kumimoji="1" lang="en-US" altLang="ko-KR" sz="2800" dirty="0">
                 <a:latin typeface="Times New Roman" pitchFamily="18" charset="0"/>
                 <a:ea typeface="Gulim" pitchFamily="34" charset="-127"/>
                 <a:cs typeface="Times New Roman" pitchFamily="18" charset="0"/>
               </a:rPr>
               <a:t>Lower Level File system Algorithms</a:t>
             </a:r>
-            <a:endParaRPr kumimoji="1" lang="en-US" altLang="ko-KR" sz="2800" dirty="0">
-              <a:latin typeface="Times New Roman" pitchFamily="18" charset="0"/>
-              <a:ea typeface="Gulim" pitchFamily="34" charset="-127"/>
-              <a:cs typeface="Times New Roman" pitchFamily="18" charset="0"/>
-            </a:endParaRPr>
           </a:p>
         </p:txBody>
       </p:sp>
@@ -7055,13 +6995,6 @@
   <p:clrMapOvr>
     <a:masterClrMapping/>
   </p:clrMapOvr>
-  <p:timing>
-    <p:tnLst>
-      <p:par>
-        <p:cTn id="1" dur="indefinite" restart="never" nodeType="tmRoot"/>
-      </p:par>
-    </p:tnLst>
-  </p:timing>
 </p:sld>
 </file>
 
@@ -7098,10 +7031,9 @@
           <a:lstStyle/>
           <a:p>
             <a:r>
-              <a:rPr lang="en-US" dirty="0" smtClean="0"/>
+              <a:rPr lang="en-US" dirty="0"/>
               <a:t>Lower level File System Algorithms</a:t>
             </a:r>
-            <a:endParaRPr lang="en-US" dirty="0"/>
           </a:p>
         </p:txBody>
       </p:sp>
@@ -7148,8 +7080,20 @@
                 <a:tableStyleId>{5940675A-B579-460E-94D1-54222C63F5DA}</a:tableStyleId>
               </a:tblPr>
               <a:tblGrid>
-                <a:gridCol w="1998733"/>
-                <a:gridCol w="9888467"/>
+                <a:gridCol w="1998733">
+                  <a:extLst>
+                    <a:ext uri="{9D8B030D-6E8A-4147-A177-3AD203B41FA5}">
+                      <a16:colId xmlns:a16="http://schemas.microsoft.com/office/drawing/2014/main" val="20000"/>
+                    </a:ext>
+                  </a:extLst>
+                </a:gridCol>
+                <a:gridCol w="9888467">
+                  <a:extLst>
+                    <a:ext uri="{9D8B030D-6E8A-4147-A177-3AD203B41FA5}">
+                      <a16:colId xmlns:a16="http://schemas.microsoft.com/office/drawing/2014/main" val="20001"/>
+                    </a:ext>
+                  </a:extLst>
+                </a:gridCol>
               </a:tblGrid>
               <a:tr h="625604">
                 <a:tc>
@@ -7158,16 +7102,12 @@
                     <a:lstStyle/>
                     <a:p>
                       <a:r>
-                        <a:rPr lang="en-US" sz="2000" dirty="0" smtClean="0">
+                        <a:rPr lang="en-US" sz="2000" dirty="0">
                           <a:latin typeface="Times New Roman" pitchFamily="18" charset="0"/>
                           <a:cs typeface="Times New Roman" pitchFamily="18" charset="0"/>
                         </a:rPr>
                         <a:t>Name of Algorithm</a:t>
                       </a:r>
-                      <a:endParaRPr lang="en-US" sz="2000" dirty="0">
-                        <a:latin typeface="Times New Roman" pitchFamily="18" charset="0"/>
-                        <a:cs typeface="Times New Roman" pitchFamily="18" charset="0"/>
-                      </a:endParaRPr>
                     </a:p>
                   </a:txBody>
                   <a:tcPr marL="121920" marR="121920"/>
@@ -7178,20 +7118,21 @@
                     <a:lstStyle/>
                     <a:p>
                       <a:r>
-                        <a:rPr lang="en-US" sz="2000" dirty="0" smtClean="0">
+                        <a:rPr lang="en-US" sz="2000" dirty="0">
                           <a:latin typeface="Times New Roman" pitchFamily="18" charset="0"/>
                           <a:cs typeface="Times New Roman" pitchFamily="18" charset="0"/>
                         </a:rPr>
                         <a:t>Operation</a:t>
                       </a:r>
-                      <a:endParaRPr lang="en-US" sz="2000" dirty="0">
-                        <a:latin typeface="Times New Roman" pitchFamily="18" charset="0"/>
-                        <a:cs typeface="Times New Roman" pitchFamily="18" charset="0"/>
-                      </a:endParaRPr>
                     </a:p>
                   </a:txBody>
                   <a:tcPr marL="121920" marR="121920"/>
                 </a:tc>
+                <a:extLst>
+                  <a:ext uri="{0D108BD9-81ED-4DB2-BD59-A6C34878D82A}">
+                    <a16:rowId xmlns:a16="http://schemas.microsoft.com/office/drawing/2014/main" val="10000"/>
+                  </a:ext>
+                </a:extLst>
               </a:tr>
               <a:tr h="524170">
                 <a:tc>
@@ -7200,7 +7141,7 @@
                     <a:lstStyle/>
                     <a:p>
                       <a:r>
-                        <a:rPr kumimoji="1" lang="en-US" altLang="ko-KR" sz="2400" dirty="0" err="1" smtClean="0">
+                        <a:rPr kumimoji="1" lang="en-US" altLang="ko-KR" sz="2400" dirty="0" err="1">
                           <a:solidFill>
                             <a:srgbClr val="0000FF"/>
                           </a:solidFill>
@@ -7221,28 +7162,28 @@
                     <a:lstStyle/>
                     <a:p>
                       <a:r>
-                        <a:rPr lang="en-US" sz="1600" dirty="0" smtClean="0">
+                        <a:rPr lang="en-US" sz="1600" dirty="0">
                           <a:latin typeface="Times New Roman" pitchFamily="18" charset="0"/>
                           <a:cs typeface="Times New Roman" pitchFamily="18" charset="0"/>
                         </a:rPr>
                         <a:t>Parses</a:t>
                       </a:r>
                       <a:r>
-                        <a:rPr lang="en-US" sz="1600" baseline="0" dirty="0" smtClean="0">
+                        <a:rPr lang="en-US" sz="1600" baseline="0" dirty="0">
                           <a:latin typeface="Times New Roman" pitchFamily="18" charset="0"/>
                           <a:cs typeface="Times New Roman" pitchFamily="18" charset="0"/>
                         </a:rPr>
                         <a:t> the path name one component at a time and returns the </a:t>
                       </a:r>
                       <a:r>
-                        <a:rPr lang="en-US" sz="1600" baseline="0" dirty="0" err="1" smtClean="0">
+                        <a:rPr lang="en-US" sz="1600" baseline="0" dirty="0" err="1">
                           <a:latin typeface="Times New Roman" pitchFamily="18" charset="0"/>
                           <a:cs typeface="Times New Roman" pitchFamily="18" charset="0"/>
                         </a:rPr>
                         <a:t>inode</a:t>
                       </a:r>
                       <a:r>
-                        <a:rPr lang="en-US" sz="1600" baseline="0" dirty="0" smtClean="0">
+                        <a:rPr lang="en-US" sz="1600" baseline="0" dirty="0">
                           <a:latin typeface="Times New Roman" pitchFamily="18" charset="0"/>
                           <a:cs typeface="Times New Roman" pitchFamily="18" charset="0"/>
                         </a:rPr>
@@ -7256,6 +7197,11 @@
                   </a:txBody>
                   <a:tcPr marL="121920" marR="121920"/>
                 </a:tc>
+                <a:extLst>
+                  <a:ext uri="{0D108BD9-81ED-4DB2-BD59-A6C34878D82A}">
+                    <a16:rowId xmlns:a16="http://schemas.microsoft.com/office/drawing/2014/main" val="10001"/>
+                  </a:ext>
+                </a:extLst>
               </a:tr>
               <a:tr h="524170">
                 <a:tc>
@@ -7264,7 +7210,7 @@
                     <a:lstStyle/>
                     <a:p>
                       <a:r>
-                        <a:rPr kumimoji="1" lang="en-US" altLang="ko-KR" sz="2400" dirty="0" err="1" smtClean="0">
+                        <a:rPr kumimoji="1" lang="en-US" altLang="ko-KR" sz="2400" dirty="0" err="1">
                           <a:solidFill>
                             <a:srgbClr val="0000FF"/>
                           </a:solidFill>
@@ -7275,7 +7221,7 @@
                         <a:t>iget</a:t>
                       </a:r>
                       <a:r>
-                        <a:rPr kumimoji="1" lang="en-US" altLang="ko-KR" sz="2400" dirty="0" smtClean="0">
+                        <a:rPr kumimoji="1" lang="en-US" altLang="ko-KR" sz="2400" dirty="0">
                           <a:solidFill>
                             <a:srgbClr val="0000FF"/>
                           </a:solidFill>
@@ -7296,7 +7242,7 @@
                     <a:lstStyle/>
                     <a:p>
                       <a:r>
-                        <a:rPr lang="en-US" sz="1600" kern="1200" baseline="0" dirty="0" smtClean="0">
+                        <a:rPr lang="en-US" sz="1600" kern="1200" baseline="0" dirty="0">
                           <a:solidFill>
                             <a:schemeClr val="tx1"/>
                           </a:solidFill>
@@ -7307,7 +7253,7 @@
                         <a:t>Allocates the in-core copy of the </a:t>
                       </a:r>
                       <a:r>
-                        <a:rPr lang="en-US" sz="1600" kern="1200" baseline="0" dirty="0" err="1" smtClean="0">
+                        <a:rPr lang="en-US" sz="1600" kern="1200" baseline="0" dirty="0" err="1">
                           <a:solidFill>
                             <a:schemeClr val="tx1"/>
                           </a:solidFill>
@@ -7318,7 +7264,7 @@
                         <a:t>inode</a:t>
                       </a:r>
                       <a:r>
-                        <a:rPr lang="en-US" sz="1600" kern="1200" baseline="0" dirty="0" smtClean="0">
+                        <a:rPr lang="en-US" sz="1600" kern="1200" baseline="0" dirty="0">
                           <a:solidFill>
                             <a:schemeClr val="tx1"/>
                           </a:solidFill>
@@ -7329,7 +7275,7 @@
                         <a:t> if it exist and locks it. The </a:t>
                       </a:r>
                       <a:r>
-                        <a:rPr lang="en-US" sz="1600" kern="1200" baseline="0" dirty="0" err="1" smtClean="0">
+                        <a:rPr lang="en-US" sz="1600" kern="1200" baseline="0" dirty="0" err="1">
                           <a:solidFill>
                             <a:schemeClr val="tx1"/>
                           </a:solidFill>
@@ -7340,7 +7286,7 @@
                         <a:t>inode</a:t>
                       </a:r>
                       <a:r>
-                        <a:rPr lang="en-US" sz="1600" kern="1200" baseline="0" dirty="0" smtClean="0">
+                        <a:rPr lang="en-US" sz="1600" kern="1200" baseline="0" dirty="0">
                           <a:solidFill>
                             <a:schemeClr val="tx1"/>
                           </a:solidFill>
@@ -7354,6 +7300,11 @@
                   </a:txBody>
                   <a:tcPr marL="121920" marR="121920"/>
                 </a:tc>
+                <a:extLst>
+                  <a:ext uri="{0D108BD9-81ED-4DB2-BD59-A6C34878D82A}">
+                    <a16:rowId xmlns:a16="http://schemas.microsoft.com/office/drawing/2014/main" val="10002"/>
+                  </a:ext>
+                </a:extLst>
               </a:tr>
               <a:tr h="524170">
                 <a:tc>
@@ -7362,7 +7313,7 @@
                     <a:lstStyle/>
                     <a:p>
                       <a:r>
-                        <a:rPr kumimoji="1" lang="en-US" altLang="ko-KR" sz="2400" dirty="0" err="1" smtClean="0">
+                        <a:rPr kumimoji="1" lang="en-US" altLang="ko-KR" sz="2400" dirty="0" err="1">
                           <a:solidFill>
                             <a:srgbClr val="0000FF"/>
                           </a:solidFill>
@@ -7373,7 +7324,7 @@
                         <a:t>iput</a:t>
                       </a:r>
                       <a:r>
-                        <a:rPr kumimoji="1" lang="en-US" altLang="ko-KR" sz="2400" dirty="0" smtClean="0">
+                        <a:rPr kumimoji="1" lang="en-US" altLang="ko-KR" sz="2400" dirty="0">
                           <a:solidFill>
                             <a:srgbClr val="0000FF"/>
                           </a:solidFill>
@@ -7394,7 +7345,7 @@
                     <a:lstStyle/>
                     <a:p>
                       <a:r>
-                        <a:rPr lang="en-US" sz="1600" kern="1200" baseline="0" dirty="0" smtClean="0">
+                        <a:rPr lang="en-US" sz="1600" kern="1200" baseline="0" dirty="0">
                           <a:solidFill>
                             <a:schemeClr val="tx1"/>
                           </a:solidFill>
@@ -7405,7 +7356,7 @@
                         <a:t>Releases the </a:t>
                       </a:r>
                       <a:r>
-                        <a:rPr lang="en-US" sz="1600" kern="1200" baseline="0" dirty="0" err="1" smtClean="0">
+                        <a:rPr lang="en-US" sz="1600" kern="1200" baseline="0" dirty="0" err="1">
                           <a:solidFill>
                             <a:schemeClr val="tx1"/>
                           </a:solidFill>
@@ -7416,7 +7367,7 @@
                         <a:t>inode</a:t>
                       </a:r>
                       <a:r>
-                        <a:rPr lang="en-US" sz="1600" kern="1200" baseline="0" dirty="0" smtClean="0">
+                        <a:rPr lang="en-US" sz="1600" kern="1200" baseline="0" dirty="0">
                           <a:solidFill>
                             <a:schemeClr val="tx1"/>
                           </a:solidFill>
@@ -7427,7 +7378,7 @@
                         <a:t> by decrementing the reference count. Unlocks the </a:t>
                       </a:r>
                       <a:r>
-                        <a:rPr lang="en-US" sz="1600" kern="1200" baseline="0" dirty="0" err="1" smtClean="0">
+                        <a:rPr lang="en-US" sz="1600" kern="1200" baseline="0" dirty="0" err="1">
                           <a:solidFill>
                             <a:schemeClr val="tx1"/>
                           </a:solidFill>
@@ -7438,7 +7389,7 @@
                         <a:t>inode</a:t>
                       </a:r>
                       <a:r>
-                        <a:rPr lang="en-US" sz="1600" kern="1200" baseline="0" dirty="0" smtClean="0">
+                        <a:rPr lang="en-US" sz="1600" kern="1200" baseline="0" dirty="0">
                           <a:solidFill>
                             <a:schemeClr val="tx1"/>
                           </a:solidFill>
@@ -7452,6 +7403,11 @@
                   </a:txBody>
                   <a:tcPr marL="121920" marR="121920"/>
                 </a:tc>
+                <a:extLst>
+                  <a:ext uri="{0D108BD9-81ED-4DB2-BD59-A6C34878D82A}">
+                    <a16:rowId xmlns:a16="http://schemas.microsoft.com/office/drawing/2014/main" val="10003"/>
+                  </a:ext>
+                </a:extLst>
               </a:tr>
               <a:tr h="524170">
                 <a:tc>
@@ -7460,7 +7416,7 @@
                     <a:lstStyle/>
                     <a:p>
                       <a:r>
-                        <a:rPr kumimoji="1" lang="en-US" altLang="ko-KR" sz="2400" dirty="0" err="1" smtClean="0">
+                        <a:rPr kumimoji="1" lang="en-US" altLang="ko-KR" sz="2400" dirty="0" err="1">
                           <a:solidFill>
                             <a:srgbClr val="0000FF"/>
                           </a:solidFill>
@@ -7471,7 +7427,7 @@
                         <a:t>bmap</a:t>
                       </a:r>
                       <a:r>
-                        <a:rPr kumimoji="1" lang="en-US" altLang="ko-KR" sz="2400" dirty="0" smtClean="0">
+                        <a:rPr kumimoji="1" lang="en-US" altLang="ko-KR" sz="2400" dirty="0">
                           <a:solidFill>
                             <a:srgbClr val="0000FF"/>
                           </a:solidFill>
@@ -7492,7 +7448,7 @@
                     <a:lstStyle/>
                     <a:p>
                       <a:r>
-                        <a:rPr lang="en-US" sz="1600" kern="1200" baseline="0" dirty="0" smtClean="0">
+                        <a:rPr lang="en-US" sz="1600" kern="1200" baseline="0" dirty="0">
                           <a:solidFill>
                             <a:schemeClr val="tx1"/>
                           </a:solidFill>
@@ -7502,18 +7458,15 @@
                         </a:rPr>
                         <a:t>Converts a file byte offset into a physical disk block. </a:t>
                       </a:r>
-                      <a:endParaRPr lang="en-US" sz="1600" kern="1200" baseline="0" dirty="0">
-                        <a:solidFill>
-                          <a:schemeClr val="tx1"/>
-                        </a:solidFill>
-                        <a:latin typeface="Times New Roman" pitchFamily="18" charset="0"/>
-                        <a:ea typeface="+mn-ea"/>
-                        <a:cs typeface="Times New Roman" pitchFamily="18" charset="0"/>
-                      </a:endParaRPr>
                     </a:p>
                   </a:txBody>
                   <a:tcPr marL="121920" marR="121920"/>
                 </a:tc>
+                <a:extLst>
+                  <a:ext uri="{0D108BD9-81ED-4DB2-BD59-A6C34878D82A}">
+                    <a16:rowId xmlns:a16="http://schemas.microsoft.com/office/drawing/2014/main" val="10004"/>
+                  </a:ext>
+                </a:extLst>
               </a:tr>
               <a:tr h="524170">
                 <a:tc>
@@ -7522,7 +7475,7 @@
                     <a:lstStyle/>
                     <a:p>
                       <a:r>
-                        <a:rPr kumimoji="1" lang="en-US" altLang="ko-KR" sz="2400" dirty="0" err="1" smtClean="0">
+                        <a:rPr kumimoji="1" lang="en-US" altLang="ko-KR" sz="2400" dirty="0" err="1">
                           <a:solidFill>
                             <a:srgbClr val="0000FF"/>
                           </a:solidFill>
@@ -7533,7 +7486,7 @@
                         <a:t>ialloc</a:t>
                       </a:r>
                       <a:r>
-                        <a:rPr kumimoji="1" lang="en-US" altLang="ko-KR" sz="2400" dirty="0" smtClean="0">
+                        <a:rPr kumimoji="1" lang="en-US" altLang="ko-KR" sz="2400" dirty="0">
                           <a:solidFill>
                             <a:srgbClr val="0000FF"/>
                           </a:solidFill>
@@ -7554,7 +7507,7 @@
                     <a:lstStyle/>
                     <a:p>
                       <a:r>
-                        <a:rPr lang="en-US" sz="1600" kern="1200" baseline="0" dirty="0" smtClean="0">
+                        <a:rPr lang="en-US" sz="1600" kern="1200" baseline="0" dirty="0">
                           <a:solidFill>
                             <a:schemeClr val="tx1"/>
                           </a:solidFill>
@@ -7565,7 +7518,7 @@
                         <a:t>Allocates the </a:t>
                       </a:r>
                       <a:r>
-                        <a:rPr lang="en-US" sz="1600" kern="1200" baseline="0" dirty="0" err="1" smtClean="0">
+                        <a:rPr lang="en-US" sz="1600" kern="1200" baseline="0" dirty="0" err="1">
                           <a:solidFill>
                             <a:schemeClr val="tx1"/>
                           </a:solidFill>
@@ -7576,7 +7529,7 @@
                         <a:t>inode</a:t>
                       </a:r>
                       <a:r>
-                        <a:rPr lang="en-US" sz="1600" kern="1200" baseline="0" dirty="0" smtClean="0">
+                        <a:rPr lang="en-US" sz="1600" kern="1200" baseline="0" dirty="0">
                           <a:solidFill>
                             <a:schemeClr val="tx1"/>
                           </a:solidFill>
@@ -7587,7 +7540,7 @@
                         <a:t> for a new file from the free list of </a:t>
                       </a:r>
                       <a:r>
-                        <a:rPr lang="en-US" sz="1600" kern="1200" baseline="0" dirty="0" err="1" smtClean="0">
+                        <a:rPr lang="en-US" sz="1600" kern="1200" baseline="0" dirty="0" err="1">
                           <a:solidFill>
                             <a:schemeClr val="tx1"/>
                           </a:solidFill>
@@ -7609,6 +7562,11 @@
                   </a:txBody>
                   <a:tcPr marL="121920" marR="121920"/>
                 </a:tc>
+                <a:extLst>
+                  <a:ext uri="{0D108BD9-81ED-4DB2-BD59-A6C34878D82A}">
+                    <a16:rowId xmlns:a16="http://schemas.microsoft.com/office/drawing/2014/main" val="10005"/>
+                  </a:ext>
+                </a:extLst>
               </a:tr>
               <a:tr h="524170">
                 <a:tc>
@@ -7617,7 +7575,7 @@
                     <a:lstStyle/>
                     <a:p>
                       <a:r>
-                        <a:rPr kumimoji="1" lang="en-US" altLang="ko-KR" sz="2400" dirty="0" err="1" smtClean="0">
+                        <a:rPr kumimoji="1" lang="en-US" altLang="ko-KR" sz="2400" dirty="0" err="1">
                           <a:solidFill>
                             <a:srgbClr val="0000FF"/>
                           </a:solidFill>
@@ -7628,7 +7586,7 @@
                         <a:t>ifree</a:t>
                       </a:r>
                       <a:r>
-                        <a:rPr kumimoji="1" lang="en-US" altLang="ko-KR" sz="2400" dirty="0" smtClean="0">
+                        <a:rPr kumimoji="1" lang="en-US" altLang="ko-KR" sz="2400" dirty="0">
                           <a:solidFill>
                             <a:srgbClr val="0000FF"/>
                           </a:solidFill>
@@ -7649,7 +7607,7 @@
                     <a:lstStyle/>
                     <a:p>
                       <a:r>
-                        <a:rPr lang="en-US" sz="1600" kern="1200" baseline="0" dirty="0" smtClean="0">
+                        <a:rPr lang="en-US" sz="1600" kern="1200" baseline="0" dirty="0">
                           <a:solidFill>
                             <a:schemeClr val="tx1"/>
                           </a:solidFill>
@@ -7660,7 +7618,7 @@
                         <a:t>If reference count becomes 0, the </a:t>
                       </a:r>
                       <a:r>
-                        <a:rPr lang="en-US" sz="1600" kern="1200" baseline="0" dirty="0" err="1" smtClean="0">
+                        <a:rPr lang="en-US" sz="1600" kern="1200" baseline="0" dirty="0" err="1">
                           <a:solidFill>
                             <a:schemeClr val="tx1"/>
                           </a:solidFill>
@@ -7671,7 +7629,7 @@
                         <a:t>inode</a:t>
                       </a:r>
                       <a:r>
-                        <a:rPr lang="en-US" sz="1600" kern="1200" baseline="0" dirty="0" smtClean="0">
+                        <a:rPr lang="en-US" sz="1600" kern="1200" baseline="0" dirty="0">
                           <a:solidFill>
                             <a:schemeClr val="tx1"/>
                           </a:solidFill>
@@ -7682,7 +7640,7 @@
                         <a:t> is released and added to the free list of </a:t>
                       </a:r>
                       <a:r>
-                        <a:rPr lang="en-US" sz="1600" kern="1200" baseline="0" dirty="0" err="1" smtClean="0">
+                        <a:rPr lang="en-US" sz="1600" kern="1200" baseline="0" dirty="0" err="1">
                           <a:solidFill>
                             <a:schemeClr val="tx1"/>
                           </a:solidFill>
@@ -7693,7 +7651,7 @@
                         <a:t>inodes</a:t>
                       </a:r>
                       <a:r>
-                        <a:rPr lang="en-US" sz="1600" kern="1200" baseline="0" dirty="0" smtClean="0">
+                        <a:rPr lang="en-US" sz="1600" kern="1200" baseline="0" dirty="0">
                           <a:solidFill>
                             <a:schemeClr val="tx1"/>
                           </a:solidFill>
@@ -7703,18 +7661,15 @@
                         </a:rPr>
                         <a:t> </a:t>
                       </a:r>
-                      <a:endParaRPr lang="en-US" sz="1600" kern="1200" baseline="0" dirty="0">
-                        <a:solidFill>
-                          <a:schemeClr val="tx1"/>
-                        </a:solidFill>
-                        <a:latin typeface="Times New Roman" pitchFamily="18" charset="0"/>
-                        <a:ea typeface="+mn-ea"/>
-                        <a:cs typeface="Times New Roman" pitchFamily="18" charset="0"/>
-                      </a:endParaRPr>
                     </a:p>
                   </a:txBody>
                   <a:tcPr marL="121920" marR="121920"/>
                 </a:tc>
+                <a:extLst>
+                  <a:ext uri="{0D108BD9-81ED-4DB2-BD59-A6C34878D82A}">
+                    <a16:rowId xmlns:a16="http://schemas.microsoft.com/office/drawing/2014/main" val="10006"/>
+                  </a:ext>
+                </a:extLst>
               </a:tr>
               <a:tr h="524170">
                 <a:tc>
@@ -7723,7 +7678,7 @@
                     <a:lstStyle/>
                     <a:p>
                       <a:r>
-                        <a:rPr kumimoji="1" lang="en-US" altLang="ko-KR" sz="2400" kern="1200" dirty="0" err="1" smtClean="0">
+                        <a:rPr kumimoji="1" lang="en-US" altLang="ko-KR" sz="2400" kern="1200" dirty="0" err="1">
                           <a:solidFill>
                             <a:srgbClr val="0000FF"/>
                           </a:solidFill>
@@ -7733,7 +7688,7 @@
                         </a:rPr>
                         <a:t>alloc</a:t>
                       </a:r>
-                      <a:endParaRPr kumimoji="1" lang="en-US" altLang="ko-KR" sz="2400" kern="1200" dirty="0" smtClean="0">
+                      <a:endParaRPr kumimoji="1" lang="en-US" altLang="ko-KR" sz="2400" kern="1200" dirty="0">
                         <a:solidFill>
                           <a:srgbClr val="0000FF"/>
                         </a:solidFill>
@@ -7751,7 +7706,7 @@
                     <a:lstStyle/>
                     <a:p>
                       <a:r>
-                        <a:rPr lang="en-US" sz="1600" kern="1200" baseline="0" dirty="0" smtClean="0">
+                        <a:rPr lang="en-US" sz="1600" kern="1200" baseline="0" dirty="0">
                           <a:solidFill>
                             <a:schemeClr val="tx1"/>
                           </a:solidFill>
@@ -7762,7 +7717,7 @@
                         <a:t>Allocates the disk </a:t>
                       </a:r>
                       <a:r>
-                        <a:rPr lang="en-US" sz="1600" kern="1200" baseline="0" dirty="0" err="1" smtClean="0">
+                        <a:rPr lang="en-US" sz="1600" kern="1200" baseline="0" dirty="0" err="1">
                           <a:solidFill>
                             <a:schemeClr val="tx1"/>
                           </a:solidFill>
@@ -7784,6 +7739,11 @@
                   </a:txBody>
                   <a:tcPr marL="121920" marR="121920"/>
                 </a:tc>
+                <a:extLst>
+                  <a:ext uri="{0D108BD9-81ED-4DB2-BD59-A6C34878D82A}">
+                    <a16:rowId xmlns:a16="http://schemas.microsoft.com/office/drawing/2014/main" val="10007"/>
+                  </a:ext>
+                </a:extLst>
               </a:tr>
               <a:tr h="734405">
                 <a:tc>
@@ -7809,7 +7769,7 @@
                         <a:defRPr/>
                       </a:pPr>
                       <a:r>
-                        <a:rPr kumimoji="1" lang="en-US" altLang="ko-KR" sz="2400" kern="1200" dirty="0" smtClean="0">
+                        <a:rPr kumimoji="1" lang="en-US" altLang="ko-KR" sz="2400" kern="1200" dirty="0">
                           <a:solidFill>
                             <a:srgbClr val="0000FF"/>
                           </a:solidFill>
@@ -7829,7 +7789,7 @@
                     <a:lstStyle/>
                     <a:p>
                       <a:r>
-                        <a:rPr lang="en-US" sz="1600" kern="1200" baseline="0" dirty="0" smtClean="0">
+                        <a:rPr lang="en-US" sz="1600" kern="1200" baseline="0" dirty="0">
                           <a:solidFill>
                             <a:schemeClr val="tx1"/>
                           </a:solidFill>
@@ -7840,7 +7800,7 @@
                         <a:t>Releases the disk </a:t>
                       </a:r>
                       <a:r>
-                        <a:rPr lang="en-US" sz="1600" kern="1200" baseline="0" dirty="0" err="1" smtClean="0">
+                        <a:rPr lang="en-US" sz="1600" kern="1200" baseline="0" dirty="0" err="1">
                           <a:solidFill>
                             <a:schemeClr val="tx1"/>
                           </a:solidFill>
@@ -7862,6 +7822,11 @@
                   </a:txBody>
                   <a:tcPr marL="121920" marR="121920"/>
                 </a:tc>
+                <a:extLst>
+                  <a:ext uri="{0D108BD9-81ED-4DB2-BD59-A6C34878D82A}">
+                    <a16:rowId xmlns:a16="http://schemas.microsoft.com/office/drawing/2014/main" val="10008"/>
+                  </a:ext>
+                </a:extLst>
               </a:tr>
             </a:tbl>
           </a:graphicData>
@@ -7872,13 +7837,6 @@
   <p:clrMapOvr>
     <a:masterClrMapping/>
   </p:clrMapOvr>
-  <p:timing>
-    <p:tnLst>
-      <p:par>
-        <p:cTn id="1" dur="indefinite" restart="never" nodeType="tmRoot"/>
-      </p:par>
-    </p:tnLst>
-  </p:timing>
 </p:sld>
 </file>
 
@@ -7915,16 +7873,12 @@
           <a:lstStyle/>
           <a:p>
             <a:r>
-              <a:rPr lang="en-US" dirty="0" smtClean="0">
+              <a:rPr lang="en-US" dirty="0">
                 <a:latin typeface="Times New Roman" pitchFamily="18" charset="0"/>
                 <a:cs typeface="Times New Roman" pitchFamily="18" charset="0"/>
               </a:rPr>
               <a:t>File System Calls and Relation to Algorithms</a:t>
             </a:r>
-            <a:endParaRPr lang="en-US" dirty="0">
-              <a:latin typeface="Times New Roman" pitchFamily="18" charset="0"/>
-              <a:cs typeface="Times New Roman" pitchFamily="18" charset="0"/>
-            </a:endParaRPr>
           </a:p>
         </p:txBody>
       </p:sp>
@@ -7990,13 +7944,6 @@
   <p:clrMapOvr>
     <a:masterClrMapping/>
   </p:clrMapOvr>
-  <p:timing>
-    <p:tnLst>
-      <p:par>
-        <p:cTn id="1" dur="indefinite" restart="never" nodeType="tmRoot"/>
-      </p:par>
-    </p:tnLst>
-  </p:timing>
 </p:sld>
 </file>
 
@@ -8072,7 +8019,7 @@
               </a:tabLst>
             </a:pPr>
             <a:r>
-              <a:rPr lang="en-US" sz="3800" dirty="0" smtClean="0">
+              <a:rPr lang="en-US" sz="3800" dirty="0">
                 <a:solidFill>
                   <a:srgbClr val="572314"/>
                 </a:solidFill>
@@ -8085,23 +8032,7 @@
                 <a:ea typeface="WenQuanYi Zen Hei" charset="0"/>
                 <a:cs typeface="WenQuanYi Zen Hei" charset="0"/>
               </a:rPr>
-              <a:t>OPEN </a:t>
-            </a:r>
-            <a:r>
-              <a:rPr lang="en-US" sz="3800" dirty="0">
-                <a:solidFill>
-                  <a:srgbClr val="572314"/>
-                </a:solidFill>
-                <a:effectLst>
-                  <a:outerShdw blurRad="38100" dist="38100" dir="2700000" algn="tl">
-                    <a:srgbClr val="C0C0C0"/>
-                  </a:outerShdw>
-                </a:effectLst>
-                <a:latin typeface="Gill Sans MT" pitchFamily="32" charset="0"/>
-                <a:ea typeface="WenQuanYi Zen Hei" charset="0"/>
-                <a:cs typeface="WenQuanYi Zen Hei" charset="0"/>
-              </a:rPr>
-              <a:t>system call</a:t>
+              <a:t>OPEN system call</a:t>
             </a:r>
           </a:p>
         </p:txBody>
@@ -8946,7 +8877,7 @@
               <a:t>argc</a:t>
             </a:r>
             <a:r>
-              <a:rPr lang="en-US" dirty="0" smtClean="0">
+              <a:rPr lang="en-US" dirty="0">
                 <a:solidFill>
                   <a:srgbClr val="000000"/>
                 </a:solidFill>
@@ -8954,18 +8885,7 @@
                 <a:ea typeface="WenQuanYi Zen Hei" charset="0"/>
                 <a:cs typeface="WenQuanYi Zen Hei" charset="0"/>
               </a:rPr>
-              <a:t>, char </a:t>
-            </a:r>
-            <a:r>
-              <a:rPr lang="en-US" dirty="0">
-                <a:solidFill>
-                  <a:srgbClr val="000000"/>
-                </a:solidFill>
-                <a:latin typeface="Calibri" pitchFamily="32" charset="0"/>
-                <a:ea typeface="WenQuanYi Zen Hei" charset="0"/>
-                <a:cs typeface="WenQuanYi Zen Hei" charset="0"/>
-              </a:rPr>
-              <a:t>*</a:t>
+              <a:t>, char *</a:t>
             </a:r>
             <a:r>
               <a:rPr lang="en-US" dirty="0" err="1">
@@ -9606,25 +9526,8 @@
                 <a:ea typeface="WenQuanYi Zen Hei" charset="0"/>
                 <a:cs typeface="WenQuanYi Zen Hei" charset="0"/>
               </a:rPr>
-              <a:t>]$ ./exam1 </a:t>
-            </a:r>
-            <a:r>
-              <a:rPr lang="en-US" sz="1500" dirty="0" smtClean="0">
-                <a:solidFill>
-                  <a:srgbClr val="000000"/>
-                </a:solidFill>
-                <a:ea typeface="WenQuanYi Zen Hei" charset="0"/>
-                <a:cs typeface="WenQuanYi Zen Hei" charset="0"/>
-              </a:rPr>
-              <a:t> t2.txt</a:t>
-            </a:r>
-            <a:endParaRPr lang="en-US" sz="1500" dirty="0">
-              <a:solidFill>
-                <a:srgbClr val="000000"/>
-              </a:solidFill>
-              <a:ea typeface="WenQuanYi Zen Hei" charset="0"/>
-              <a:cs typeface="WenQuanYi Zen Hei" charset="0"/>
-            </a:endParaRPr>
+              <a:t>]$ ./exam1  t2.txt</a:t>
+            </a:r>
           </a:p>
           <a:p>
             <a:pPr>
@@ -9737,25 +9640,8 @@
                 <a:ea typeface="WenQuanYi Zen Hei" charset="0"/>
                 <a:cs typeface="WenQuanYi Zen Hei" charset="0"/>
               </a:rPr>
-              <a:t>]$ ./exam1 </a:t>
-            </a:r>
-            <a:r>
-              <a:rPr lang="en-US" sz="1500" dirty="0" smtClean="0">
-                <a:solidFill>
-                  <a:srgbClr val="000000"/>
-                </a:solidFill>
-                <a:ea typeface="WenQuanYi Zen Hei" charset="0"/>
-                <a:cs typeface="WenQuanYi Zen Hei" charset="0"/>
-              </a:rPr>
-              <a:t> t1.txt</a:t>
-            </a:r>
-            <a:endParaRPr lang="en-US" sz="1500" dirty="0">
-              <a:solidFill>
-                <a:srgbClr val="000000"/>
-              </a:solidFill>
-              <a:ea typeface="WenQuanYi Zen Hei" charset="0"/>
-              <a:cs typeface="WenQuanYi Zen Hei" charset="0"/>
-            </a:endParaRPr>
+              <a:t>]$ ./exam1  t1.txt</a:t>
+            </a:r>
           </a:p>
           <a:p>
             <a:pPr>
@@ -9829,6 +9715,85 @@
                 <a:cs typeface="WenQuanYi Zen Hei" charset="0"/>
               </a:rPr>
               <a:t>fd1=3</a:t>
+            </a:r>
+          </a:p>
+        </p:txBody>
+      </p:sp>
+      <p:sp>
+        <p:nvSpPr>
+          <p:cNvPr id="2" name="TextBox 1">
+            <a:extLst>
+              <a:ext uri="{FF2B5EF4-FFF2-40B4-BE49-F238E27FC236}">
+                <a16:creationId xmlns:a16="http://schemas.microsoft.com/office/drawing/2014/main" id="{8D4E3641-EB61-4343-AE9E-6236E20CAAC2}"/>
+              </a:ext>
+            </a:extLst>
+          </p:cNvPr>
+          <p:cNvSpPr txBox="1"/>
+          <p:nvPr/>
+        </p:nvSpPr>
+        <p:spPr>
+          <a:xfrm>
+            <a:off x="7793502" y="3263705"/>
+            <a:ext cx="2700996" cy="1477328"/>
+          </a:xfrm>
+          <a:prstGeom prst="rect">
+            <a:avLst/>
+          </a:prstGeom>
+          <a:noFill/>
+        </p:spPr>
+        <p:txBody>
+          <a:bodyPr wrap="square" rtlCol="0">
+            <a:spAutoFit/>
+          </a:bodyPr>
+          <a:lstStyle/>
+          <a:p>
+            <a:r>
+              <a:rPr lang="en-US" dirty="0" err="1"/>
+              <a:t>Fd</a:t>
+            </a:r>
+            <a:r>
+              <a:rPr lang="en-US" dirty="0"/>
+              <a:t> = 0 default input</a:t>
+            </a:r>
+          </a:p>
+          <a:p>
+            <a:r>
+              <a:rPr lang="en-US" dirty="0" err="1"/>
+              <a:t>Fd</a:t>
+            </a:r>
+            <a:r>
+              <a:rPr lang="en-US" dirty="0"/>
+              <a:t> = 1 default output</a:t>
+            </a:r>
+          </a:p>
+          <a:p>
+            <a:r>
+              <a:rPr lang="en-US" dirty="0" err="1"/>
+              <a:t>Fd</a:t>
+            </a:r>
+            <a:r>
+              <a:rPr lang="en-US" dirty="0"/>
+              <a:t> = 2 std error</a:t>
+            </a:r>
+          </a:p>
+          <a:p>
+            <a:r>
+              <a:rPr lang="en-US" dirty="0"/>
+              <a:t>-1 fail</a:t>
+            </a:r>
+          </a:p>
+          <a:p>
+            <a:r>
+              <a:rPr lang="en-US" dirty="0"/>
+              <a:t>Success -&gt; </a:t>
+            </a:r>
+            <a:r>
+              <a:rPr lang="en-US" dirty="0" err="1"/>
+              <a:t>fd</a:t>
+            </a:r>
+            <a:r>
+              <a:rPr lang="en-US" dirty="0"/>
+              <a:t> number</a:t>
             </a:r>
           </a:p>
         </p:txBody>
@@ -9941,7 +9906,7 @@
               </a:tabLst>
             </a:pPr>
             <a:r>
-              <a:rPr lang="en-US" sz="4300" dirty="0" smtClean="0">
+              <a:rPr lang="en-US" sz="4300" dirty="0">
                 <a:solidFill>
                   <a:srgbClr val="572314"/>
                 </a:solidFill>
@@ -9957,7 +9922,7 @@
               <a:t>Different flags values</a:t>
             </a:r>
             <a:r>
-              <a:rPr lang="en-US" sz="4300" dirty="0" smtClean="0">
+              <a:rPr lang="en-US" sz="4300" dirty="0">
                 <a:solidFill>
                   <a:srgbClr val="572314"/>
                 </a:solidFill>
@@ -9972,19 +9937,6 @@
               </a:rPr>
               <a:t> </a:t>
             </a:r>
-            <a:endParaRPr lang="en-US" sz="4300" dirty="0">
-              <a:solidFill>
-                <a:srgbClr val="572314"/>
-              </a:solidFill>
-              <a:effectLst>
-                <a:outerShdw blurRad="38100" dist="38100" dir="2700000" algn="tl">
-                  <a:srgbClr val="C0C0C0"/>
-                </a:outerShdw>
-              </a:effectLst>
-              <a:latin typeface="Simplified Arabic Fixed" pitchFamily="49" charset="-78"/>
-              <a:ea typeface="WenQuanYi Zen Hei" charset="0"/>
-              <a:cs typeface="Simplified Arabic Fixed" pitchFamily="49" charset="-78"/>
-            </a:endParaRPr>
           </a:p>
         </p:txBody>
       </p:sp>
@@ -10661,18 +10613,7 @@
                 <a:ea typeface="WenQuanYi Zen Hei" charset="0"/>
                 <a:cs typeface="Times New Roman" pitchFamily="18" charset="0"/>
               </a:rPr>
-              <a:t> mode</a:t>
-            </a:r>
-            <a:r>
-              <a:rPr lang="en-US" sz="2800" dirty="0" smtClean="0">
-                <a:solidFill>
-                  <a:srgbClr val="000000"/>
-                </a:solidFill>
-                <a:latin typeface="Times New Roman" pitchFamily="18" charset="0"/>
-                <a:ea typeface="WenQuanYi Zen Hei" charset="0"/>
-                <a:cs typeface="Times New Roman" pitchFamily="18" charset="0"/>
-              </a:rPr>
-              <a:t>);</a:t>
+              <a:t> mode);</a:t>
             </a:r>
           </a:p>
           <a:p>
@@ -10710,7 +10651,7 @@
               </a:tabLst>
             </a:pPr>
             <a:r>
-              <a:rPr lang="en-US" sz="2800" dirty="0" smtClean="0">
+              <a:rPr lang="en-US" sz="2800" dirty="0">
                 <a:solidFill>
                   <a:srgbClr val="000000"/>
                 </a:solidFill>
@@ -10720,14 +10661,6 @@
               </a:rPr>
               <a:t>modes-: permissions</a:t>
             </a:r>
-            <a:endParaRPr lang="en-US" sz="2800" dirty="0" smtClean="0">
-              <a:solidFill>
-                <a:srgbClr val="000000"/>
-              </a:solidFill>
-              <a:latin typeface="Times New Roman" pitchFamily="18" charset="0"/>
-              <a:ea typeface="WenQuanYi Zen Hei" charset="0"/>
-              <a:cs typeface="Times New Roman" pitchFamily="18" charset="0"/>
-            </a:endParaRPr>
           </a:p>
           <a:p>
             <a:pPr marL="1566743" lvl="1" indent="-516968">
@@ -10764,7 +10697,7 @@
               </a:tabLst>
             </a:pPr>
             <a:r>
-              <a:rPr lang="en-US" sz="2800" dirty="0" smtClean="0">
+              <a:rPr lang="en-US" sz="2800" dirty="0">
                 <a:solidFill>
                   <a:srgbClr val="000000"/>
                 </a:solidFill>
@@ -10775,7 +10708,7 @@
               <a:t>flags : </a:t>
             </a:r>
             <a:r>
-              <a:rPr lang="en-US" sz="2800" dirty="0" smtClean="0">
+              <a:rPr lang="en-US" sz="2800" dirty="0">
                 <a:latin typeface="Times New Roman" pitchFamily="18" charset="0"/>
                 <a:cs typeface="Times New Roman" pitchFamily="18" charset="0"/>
               </a:rPr>
@@ -10899,16 +10832,12 @@
           <a:lstStyle/>
           <a:p>
             <a:r>
-              <a:rPr lang="en-US" dirty="0" smtClean="0">
+              <a:rPr lang="en-US" dirty="0">
                 <a:latin typeface="Times New Roman" pitchFamily="18" charset="0"/>
                 <a:cs typeface="Times New Roman" pitchFamily="18" charset="0"/>
               </a:rPr>
               <a:t>Close ()</a:t>
             </a:r>
-            <a:endParaRPr lang="en-US" dirty="0">
-              <a:latin typeface="Times New Roman" pitchFamily="18" charset="0"/>
-              <a:cs typeface="Times New Roman" pitchFamily="18" charset="0"/>
-            </a:endParaRPr>
           </a:p>
         </p:txBody>
       </p:sp>
@@ -10928,7 +10857,7 @@
           <a:lstStyle/>
           <a:p>
             <a:r>
-              <a:rPr lang="en-US" sz="2800" dirty="0" err="1" smtClean="0">
+              <a:rPr lang="en-US" sz="2800" dirty="0" err="1">
                 <a:solidFill>
                   <a:srgbClr val="000000"/>
                 </a:solidFill>
@@ -10939,7 +10868,7 @@
               <a:t>int</a:t>
             </a:r>
             <a:r>
-              <a:rPr lang="en-US" sz="2800" dirty="0" smtClean="0">
+              <a:rPr lang="en-US" sz="2800" dirty="0">
                 <a:solidFill>
                   <a:srgbClr val="000000"/>
                 </a:solidFill>
@@ -10950,7 +10879,7 @@
               <a:t> close( </a:t>
             </a:r>
             <a:r>
-              <a:rPr lang="en-US" sz="2800" dirty="0" err="1" smtClean="0">
+              <a:rPr lang="en-US" sz="2800" dirty="0" err="1">
                 <a:solidFill>
                   <a:srgbClr val="000000"/>
                 </a:solidFill>
@@ -10961,7 +10890,7 @@
               <a:t>int</a:t>
             </a:r>
             <a:r>
-              <a:rPr lang="en-US" sz="2800" dirty="0" smtClean="0">
+              <a:rPr lang="en-US" sz="2800" dirty="0">
                 <a:solidFill>
                   <a:srgbClr val="000000"/>
                 </a:solidFill>
@@ -10972,7 +10901,7 @@
               <a:t> </a:t>
             </a:r>
             <a:r>
-              <a:rPr lang="en-US" sz="2800" dirty="0" err="1" smtClean="0">
+              <a:rPr lang="en-US" sz="2800" dirty="0" err="1">
                 <a:solidFill>
                   <a:srgbClr val="000000"/>
                 </a:solidFill>
@@ -10983,7 +10912,7 @@
               <a:t>fd</a:t>
             </a:r>
             <a:r>
-              <a:rPr lang="en-US" sz="2800" dirty="0" smtClean="0">
+              <a:rPr lang="en-US" sz="2800" dirty="0">
                 <a:solidFill>
                   <a:srgbClr val="000000"/>
                 </a:solidFill>
@@ -10998,7 +10927,7 @@
             <a:pPr>
               <a:buNone/>
             </a:pPr>
-            <a:endParaRPr lang="en-US" sz="2800" dirty="0" smtClean="0">
+            <a:endParaRPr lang="en-US" sz="2800" dirty="0">
               <a:solidFill>
                 <a:srgbClr val="000000"/>
               </a:solidFill>
@@ -11009,7 +10938,7 @@
           </a:p>
           <a:p>
             <a:r>
-              <a:rPr lang="en-US" sz="2800" dirty="0" smtClean="0">
+              <a:rPr lang="en-US" sz="2800" dirty="0">
                 <a:solidFill>
                   <a:srgbClr val="000000"/>
                 </a:solidFill>
@@ -11022,15 +10951,31 @@
           </a:p>
           <a:p>
             <a:r>
-              <a:rPr lang="en-US" dirty="0" smtClean="0"/>
+              <a:rPr lang="en-US" dirty="0"/>
               <a:t>It makes the file descriptor available for re-use.</a:t>
             </a:r>
           </a:p>
           <a:p>
             <a:r>
-              <a:rPr lang="en-US" dirty="0" smtClean="0"/>
+              <a:rPr lang="en-US" dirty="0"/>
               <a:t> It does not flush any kernel buffers or perform any other clean-up task. </a:t>
             </a:r>
+          </a:p>
+          <a:p>
+            <a:r>
+              <a:rPr lang="en-US" dirty="0"/>
+              <a:t>Decrements </a:t>
+            </a:r>
+            <a:r>
+              <a:rPr lang="en-US" dirty="0" err="1"/>
+              <a:t>inode</a:t>
+            </a:r>
+            <a:r>
+              <a:rPr lang="en-US" dirty="0"/>
+              <a:t> count</a:t>
+            </a:r>
+          </a:p>
+          <a:p>
             <a:endParaRPr lang="en-US" dirty="0"/>
           </a:p>
         </p:txBody>
@@ -11082,7 +11027,7 @@
           <a:p>
             <a:pPr algn="ctr"/>
             <a:r>
-              <a:rPr lang="en-US" sz="3200" dirty="0" smtClean="0">
+              <a:rPr lang="en-US" sz="3200" dirty="0">
                 <a:latin typeface="Times New Roman" pitchFamily="18" charset="0"/>
                 <a:cs typeface="Times New Roman" pitchFamily="18" charset="0"/>
               </a:rPr>
@@ -11092,7 +11037,7 @@
           <a:p>
             <a:pPr algn="ctr"/>
             <a:r>
-              <a:rPr lang="en-US" sz="3200" dirty="0" smtClean="0">
+              <a:rPr lang="en-US" sz="3200" dirty="0">
                 <a:latin typeface="Times New Roman" pitchFamily="18" charset="0"/>
                 <a:cs typeface="Times New Roman" pitchFamily="18" charset="0"/>
               </a:rPr>
@@ -11101,7 +11046,7 @@
           </a:p>
           <a:p>
             <a:pPr algn="ctr"/>
-            <a:endParaRPr lang="en-US" sz="3200" dirty="0" smtClean="0">
+            <a:endParaRPr lang="en-US" sz="3200" dirty="0">
               <a:latin typeface="Times New Roman" pitchFamily="18" charset="0"/>
               <a:cs typeface="Times New Roman" pitchFamily="18" charset="0"/>
             </a:endParaRPr>
@@ -11134,19 +11079,19 @@
           <a:lstStyle/>
           <a:p>
             <a:r>
-              <a:rPr lang="en-IN" dirty="0" smtClean="0"/>
+              <a:rPr lang="en-IN" dirty="0"/>
               <a:t>Slides taken from the ones prepared by Dr. </a:t>
             </a:r>
             <a:r>
-              <a:rPr lang="en-IN" dirty="0" err="1" smtClean="0"/>
+              <a:rPr lang="en-IN" dirty="0" err="1"/>
               <a:t>Mayuri</a:t>
             </a:r>
             <a:r>
-              <a:rPr lang="en-IN" dirty="0" smtClean="0"/>
+              <a:rPr lang="en-IN" dirty="0"/>
               <a:t> </a:t>
             </a:r>
             <a:r>
-              <a:rPr lang="en-IN" dirty="0" err="1" smtClean="0"/>
+              <a:rPr lang="en-IN" dirty="0" err="1"/>
               <a:t>Digalwar</a:t>
             </a:r>
             <a:endParaRPr lang="en-IN" dirty="0"/>
@@ -11158,13 +11103,6 @@
   <p:clrMapOvr>
     <a:masterClrMapping/>
   </p:clrMapOvr>
-  <p:timing>
-    <p:tnLst>
-      <p:par>
-        <p:cTn id="1" dur="indefinite" restart="never" nodeType="tmRoot"/>
-      </p:par>
-    </p:tnLst>
-  </p:timing>
 </p:sld>
 </file>
 
@@ -11248,39 +11186,7 @@
                 <a:ea typeface="WenQuanYi Zen Hei" charset="0"/>
                 <a:cs typeface="Times New Roman" pitchFamily="18" charset="0"/>
               </a:rPr>
-              <a:t>			</a:t>
-            </a:r>
-            <a:r>
-              <a:rPr lang="en-US" sz="3800" dirty="0" smtClean="0">
-                <a:solidFill>
-                  <a:srgbClr val="572314"/>
-                </a:solidFill>
-                <a:effectLst>
-                  <a:outerShdw blurRad="38100" dist="38100" dir="2700000" algn="tl">
-                    <a:srgbClr val="C0C0C0"/>
-                  </a:outerShdw>
-                </a:effectLst>
-                <a:latin typeface="Times New Roman" pitchFamily="18" charset="0"/>
-                <a:ea typeface="WenQuanYi Zen Hei" charset="0"/>
-                <a:cs typeface="Times New Roman" pitchFamily="18" charset="0"/>
-              </a:rPr>
-              <a:t>read</a:t>
-            </a:r>
-            <a:r>
-              <a:rPr lang="en-US" sz="3800" dirty="0">
-                <a:solidFill>
-                  <a:srgbClr val="572314"/>
-                </a:solidFill>
-                <a:effectLst>
-                  <a:outerShdw blurRad="38100" dist="38100" dir="2700000" algn="tl">
-                    <a:srgbClr val="C0C0C0"/>
-                  </a:outerShdw>
-                </a:effectLst>
-                <a:latin typeface="Times New Roman" pitchFamily="18" charset="0"/>
-                <a:ea typeface="WenQuanYi Zen Hei" charset="0"/>
-                <a:cs typeface="Times New Roman" pitchFamily="18" charset="0"/>
-              </a:rPr>
-              <a:t>() system call</a:t>
+              <a:t>			read() system call</a:t>
             </a:r>
           </a:p>
         </p:txBody>
@@ -11877,29 +11783,7 @@
                 <a:ea typeface="WenQuanYi Zen Hei" charset="0"/>
                 <a:cs typeface="WenQuanYi Zen Hei" charset="0"/>
               </a:rPr>
-              <a:t>Both functions return number of bytes read/written and returns </a:t>
-            </a:r>
-            <a:r>
-              <a:rPr lang="en-US" sz="2500" dirty="0" smtClean="0">
-                <a:solidFill>
-                  <a:srgbClr val="000000"/>
-                </a:solidFill>
-                <a:latin typeface="Gill Sans MT" pitchFamily="32" charset="0"/>
-                <a:ea typeface="WenQuanYi Zen Hei" charset="0"/>
-                <a:cs typeface="WenQuanYi Zen Hei" charset="0"/>
-              </a:rPr>
-              <a:t>-1 </a:t>
-            </a:r>
-            <a:r>
-              <a:rPr lang="en-US" sz="2500" dirty="0">
-                <a:solidFill>
-                  <a:srgbClr val="000000"/>
-                </a:solidFill>
-                <a:latin typeface="Gill Sans MT" pitchFamily="32" charset="0"/>
-                <a:ea typeface="WenQuanYi Zen Hei" charset="0"/>
-                <a:cs typeface="WenQuanYi Zen Hei" charset="0"/>
-              </a:rPr>
-              <a:t>on error.</a:t>
+              <a:t>Both functions return number of bytes read/written and returns -1 on error.</a:t>
             </a:r>
           </a:p>
           <a:p>
@@ -12006,10 +11890,9 @@
           <a:lstStyle/>
           <a:p>
             <a:r>
-              <a:rPr lang="en-US" dirty="0" smtClean="0"/>
+              <a:rPr lang="en-US" dirty="0"/>
               <a:t>Write system call</a:t>
             </a:r>
-            <a:endParaRPr lang="en-US" dirty="0"/>
           </a:p>
         </p:txBody>
       </p:sp>
@@ -12031,109 +11914,109 @@
           <a:lstStyle/>
           <a:p>
             <a:r>
-              <a:rPr lang="en-US" dirty="0" smtClean="0"/>
+              <a:rPr lang="en-US" dirty="0"/>
               <a:t>#include&lt;sys/</a:t>
             </a:r>
             <a:r>
-              <a:rPr lang="en-US" dirty="0" err="1" smtClean="0"/>
+              <a:rPr lang="en-US" dirty="0" err="1"/>
               <a:t>types.h</a:t>
             </a:r>
             <a:r>
-              <a:rPr lang="en-US" dirty="0" smtClean="0"/>
+              <a:rPr lang="en-US" dirty="0"/>
               <a:t>&gt;</a:t>
             </a:r>
           </a:p>
           <a:p>
             <a:r>
-              <a:rPr lang="en-US" dirty="0" smtClean="0"/>
+              <a:rPr lang="en-US" dirty="0"/>
               <a:t># include&lt;</a:t>
             </a:r>
             <a:r>
-              <a:rPr lang="en-US" dirty="0" err="1" smtClean="0"/>
+              <a:rPr lang="en-US" dirty="0" err="1"/>
               <a:t>unistd.h</a:t>
             </a:r>
             <a:r>
-              <a:rPr lang="en-US" dirty="0" smtClean="0"/>
+              <a:rPr lang="en-US" dirty="0"/>
               <a:t>&gt;</a:t>
             </a:r>
           </a:p>
           <a:p>
             <a:r>
-              <a:rPr lang="en-US" dirty="0" err="1" smtClean="0"/>
+              <a:rPr lang="en-US" dirty="0" err="1"/>
               <a:t>ssize_t</a:t>
             </a:r>
             <a:r>
-              <a:rPr lang="en-US" dirty="0" smtClean="0"/>
+              <a:rPr lang="en-US" dirty="0"/>
               <a:t>  write(</a:t>
             </a:r>
           </a:p>
           <a:p>
             <a:r>
-              <a:rPr lang="en-US" dirty="0" smtClean="0"/>
+              <a:rPr lang="en-US" dirty="0"/>
               <a:t>	</a:t>
             </a:r>
             <a:r>
-              <a:rPr lang="en-US" dirty="0" err="1" smtClean="0"/>
+              <a:rPr lang="en-US" dirty="0" err="1"/>
               <a:t>int</a:t>
             </a:r>
             <a:r>
-              <a:rPr lang="en-US" dirty="0" smtClean="0"/>
+              <a:rPr lang="en-US" dirty="0"/>
               <a:t> </a:t>
             </a:r>
             <a:r>
-              <a:rPr lang="en-US" dirty="0" err="1" smtClean="0"/>
+              <a:rPr lang="en-US" dirty="0" err="1"/>
               <a:t>fd</a:t>
             </a:r>
             <a:r>
-              <a:rPr lang="en-US" dirty="0" smtClean="0"/>
+              <a:rPr lang="en-US" dirty="0"/>
               <a:t>,	/* open file descriptor on which to write*/</a:t>
             </a:r>
           </a:p>
           <a:p>
             <a:r>
-              <a:rPr lang="en-US" dirty="0" smtClean="0"/>
+              <a:rPr lang="en-US" dirty="0"/>
               <a:t>	const void *</a:t>
             </a:r>
             <a:r>
-              <a:rPr lang="en-US" dirty="0" err="1" smtClean="0"/>
+              <a:rPr lang="en-US" dirty="0" err="1"/>
               <a:t>buf</a:t>
             </a:r>
             <a:r>
-              <a:rPr lang="en-US" dirty="0" smtClean="0"/>
+              <a:rPr lang="en-US" dirty="0"/>
               <a:t>,	/*data to write*/</a:t>
             </a:r>
           </a:p>
           <a:p>
             <a:r>
-              <a:rPr lang="en-US" dirty="0" smtClean="0"/>
+              <a:rPr lang="en-US" dirty="0"/>
               <a:t>	</a:t>
             </a:r>
             <a:r>
-              <a:rPr lang="en-US" dirty="0" err="1" smtClean="0"/>
+              <a:rPr lang="en-US" dirty="0" err="1"/>
               <a:t>ssize_t</a:t>
             </a:r>
             <a:r>
-              <a:rPr lang="en-US" dirty="0" smtClean="0"/>
+              <a:rPr lang="en-US" dirty="0"/>
               <a:t> </a:t>
             </a:r>
             <a:r>
-              <a:rPr lang="en-US" dirty="0" err="1" smtClean="0"/>
+              <a:rPr lang="en-US" dirty="0" err="1"/>
               <a:t>nbytes</a:t>
             </a:r>
             <a:r>
-              <a:rPr lang="en-US" dirty="0" smtClean="0"/>
+              <a:rPr lang="en-US" dirty="0"/>
               <a:t>	/*amount to write*/</a:t>
             </a:r>
           </a:p>
           <a:p>
             <a:r>
-              <a:rPr lang="en-US" dirty="0" smtClean="0"/>
+              <a:rPr lang="en-US" dirty="0"/>
               <a:t>);</a:t>
             </a:r>
           </a:p>
           <a:p>
             <a:r>
-              <a:rPr lang="en-US" dirty="0" smtClean="0"/>
+              <a:rPr lang="en-US" dirty="0"/>
               <a:t>/* Returns the number of bytes written or -1 on error */	</a:t>
             </a:r>
           </a:p>
@@ -12147,13 +12030,6 @@
   <p:clrMapOvr>
     <a:masterClrMapping/>
   </p:clrMapOvr>
-  <p:timing>
-    <p:tnLst>
-      <p:par>
-        <p:cTn id="1" dur="indefinite" restart="never" nodeType="tmRoot"/>
-      </p:par>
-    </p:tnLst>
-  </p:timing>
 </p:sld>
 </file>
 
@@ -12397,21 +12273,10 @@
                 <a:ea typeface="WenQuanYi Zen Hei" charset="0"/>
                 <a:cs typeface="WenQuanYi Zen Hei" charset="0"/>
               </a:rPr>
-              <a:t> </a:t>
-            </a:r>
-            <a:r>
-              <a:rPr lang="en-US" dirty="0" smtClean="0">
-                <a:solidFill>
-                  <a:srgbClr val="000000"/>
-                </a:solidFill>
-                <a:latin typeface="Calibri" pitchFamily="32" charset="0"/>
-                <a:ea typeface="WenQuanYi Zen Hei" charset="0"/>
-                <a:cs typeface="WenQuanYi Zen Hei" charset="0"/>
-              </a:rPr>
-              <a:t> </a:t>
-            </a:r>
-            <a:r>
-              <a:rPr lang="en-US" dirty="0" err="1" smtClean="0">
+              <a:t>  </a:t>
+            </a:r>
+            <a:r>
+              <a:rPr lang="en-US" dirty="0" err="1">
                 <a:solidFill>
                   <a:srgbClr val="000000"/>
                 </a:solidFill>
@@ -12730,7 +12595,7 @@
               </a:tabLst>
             </a:pPr>
             <a:r>
-              <a:rPr lang="en-US" dirty="0" smtClean="0">
+              <a:rPr lang="en-US" dirty="0">
                 <a:solidFill>
                   <a:srgbClr val="FF0000"/>
                 </a:solidFill>
@@ -12738,18 +12603,7 @@
                 <a:ea typeface="WenQuanYi Zen Hei" charset="0"/>
                 <a:cs typeface="WenQuanYi Zen Hei" charset="0"/>
               </a:rPr>
-              <a:t>      write(2</a:t>
-            </a:r>
-            <a:r>
-              <a:rPr lang="en-US" dirty="0">
-                <a:solidFill>
-                  <a:srgbClr val="FF0000"/>
-                </a:solidFill>
-                <a:latin typeface="Calibri" pitchFamily="32" charset="0"/>
-                <a:ea typeface="WenQuanYi Zen Hei" charset="0"/>
-                <a:cs typeface="WenQuanYi Zen Hei" charset="0"/>
-              </a:rPr>
-              <a:t>,"A read Error has occurred\n",26); </a:t>
+              <a:t>      write(2,"A read Error has occurred\n",26); </a:t>
             </a:r>
             <a:r>
               <a:rPr lang="en-US" dirty="0">
@@ -12917,7 +12771,7 @@
               </a:tabLst>
             </a:pPr>
             <a:r>
-              <a:rPr lang="en-US" dirty="0" smtClean="0">
+              <a:rPr lang="en-US" dirty="0">
                 <a:solidFill>
                   <a:srgbClr val="000000"/>
                 </a:solidFill>
@@ -12925,18 +12779,7 @@
                 <a:ea typeface="WenQuanYi Zen Hei" charset="0"/>
                 <a:cs typeface="WenQuanYi Zen Hei" charset="0"/>
               </a:rPr>
-              <a:t>	write(2</a:t>
-            </a:r>
-            <a:r>
-              <a:rPr lang="en-US" dirty="0">
-                <a:solidFill>
-                  <a:srgbClr val="000000"/>
-                </a:solidFill>
-                <a:latin typeface="Calibri" pitchFamily="32" charset="0"/>
-                <a:ea typeface="WenQuanYi Zen Hei" charset="0"/>
-                <a:cs typeface="WenQuanYi Zen Hei" charset="0"/>
-              </a:rPr>
-              <a:t>,"write error has occurred\n",25);</a:t>
+              <a:t>	write(2,"write error has occurred\n",25);</a:t>
             </a:r>
           </a:p>
           <a:p>
@@ -13207,7 +13050,7 @@
               </a:tabLst>
             </a:pPr>
             <a:r>
-              <a:rPr lang="en-US" sz="3600" dirty="0" err="1" smtClean="0">
+              <a:rPr lang="en-US" sz="3600" dirty="0" err="1">
                 <a:solidFill>
                   <a:srgbClr val="572314"/>
                 </a:solidFill>
@@ -14467,7 +14310,7 @@
               </a:tabLst>
             </a:pPr>
             <a:r>
-              <a:rPr lang="en-US" dirty="0" smtClean="0">
+              <a:rPr lang="en-US" dirty="0">
                 <a:solidFill>
                   <a:srgbClr val="000000"/>
                 </a:solidFill>
@@ -14601,10 +14444,10 @@
                 <a:ea typeface="WenQuanYi Zen Hei" charset="0"/>
                 <a:cs typeface="WenQuanYi Zen Hei" charset="0"/>
               </a:rPr>
-              <a:t>("%</a:t>
-            </a:r>
-            <a:r>
-              <a:rPr lang="en-US" dirty="0" smtClean="0">
+              <a:t>("%c\</a:t>
+            </a:r>
+            <a:r>
+              <a:rPr lang="en-US" dirty="0" err="1">
                 <a:solidFill>
                   <a:srgbClr val="000000"/>
                 </a:solidFill>
@@ -14612,29 +14455,7 @@
                 <a:ea typeface="WenQuanYi Zen Hei" charset="0"/>
                 <a:cs typeface="WenQuanYi Zen Hei" charset="0"/>
               </a:rPr>
-              <a:t>c\</a:t>
-            </a:r>
-            <a:r>
-              <a:rPr lang="en-US" dirty="0" err="1" smtClean="0">
-                <a:solidFill>
-                  <a:srgbClr val="000000"/>
-                </a:solidFill>
-                <a:latin typeface="Calibri" pitchFamily="32" charset="0"/>
-                <a:ea typeface="WenQuanYi Zen Hei" charset="0"/>
-                <a:cs typeface="WenQuanYi Zen Hei" charset="0"/>
-              </a:rPr>
-              <a:t>n",</a:t>
-            </a:r>
-            <a:r>
-              <a:rPr lang="en-US" dirty="0" err="1">
-                <a:solidFill>
-                  <a:srgbClr val="000000"/>
-                </a:solidFill>
-                <a:latin typeface="Calibri" pitchFamily="32" charset="0"/>
-                <a:ea typeface="WenQuanYi Zen Hei" charset="0"/>
-                <a:cs typeface="WenQuanYi Zen Hei" charset="0"/>
-              </a:rPr>
-              <a:t>c</a:t>
+              <a:t>n",c</a:t>
             </a:r>
             <a:r>
               <a:rPr lang="en-US" dirty="0">
@@ -14719,32 +14540,21 @@
                 <a:ea typeface="WenQuanYi Zen Hei" charset="0"/>
                 <a:cs typeface="WenQuanYi Zen Hei" charset="0"/>
               </a:rPr>
-              <a:t>(fd1,10,SEEK_CUR</a:t>
-            </a:r>
-            <a:r>
-              <a:rPr lang="en-US" dirty="0" smtClean="0">
-                <a:solidFill>
-                  <a:srgbClr val="FF0000"/>
+              <a:t>(fd1,10,SEEK_CUR)</a:t>
+            </a:r>
+            <a:r>
+              <a:rPr lang="en-US" dirty="0">
+                <a:solidFill>
+                  <a:srgbClr val="000000"/>
                 </a:solidFill>
                 <a:latin typeface="Calibri" pitchFamily="32" charset="0"/>
                 <a:ea typeface="WenQuanYi Zen Hei" charset="0"/>
                 <a:cs typeface="WenQuanYi Zen Hei" charset="0"/>
               </a:rPr>
-              <a:t>)</a:t>
-            </a:r>
-            <a:r>
-              <a:rPr lang="en-US" dirty="0" smtClean="0">
-                <a:solidFill>
-                  <a:srgbClr val="000000"/>
-                </a:solidFill>
-                <a:latin typeface="Calibri" pitchFamily="32" charset="0"/>
-                <a:ea typeface="WenQuanYi Zen Hei" charset="0"/>
-                <a:cs typeface="WenQuanYi Zen Hei" charset="0"/>
-              </a:rPr>
               <a:t>;//</a:t>
             </a:r>
             <a:r>
-              <a:rPr lang="en-US" dirty="0" smtClean="0">
+              <a:rPr lang="en-US" dirty="0">
                 <a:solidFill>
                   <a:srgbClr val="000000"/>
                 </a:solidFill>
@@ -15105,25 +14915,8 @@
                 <a:ea typeface="WenQuanYi Zen Hei" charset="0"/>
                 <a:cs typeface="WenQuanYi Zen Hei" charset="0"/>
               </a:rPr>
-              <a:t> </a:t>
-            </a:r>
-            <a:r>
-              <a:rPr lang="en-US" sz="2000" dirty="0" smtClean="0">
-                <a:solidFill>
-                  <a:srgbClr val="000000"/>
-                </a:solidFill>
-                <a:ea typeface="WenQuanYi Zen Hei" charset="0"/>
-                <a:cs typeface="WenQuanYi Zen Hei" charset="0"/>
-              </a:rPr>
-              <a:t> t1.txt </a:t>
-            </a:r>
-            <a:endParaRPr lang="en-US" sz="2000" dirty="0">
-              <a:solidFill>
-                <a:srgbClr val="000000"/>
-              </a:solidFill>
-              <a:ea typeface="WenQuanYi Zen Hei" charset="0"/>
-              <a:cs typeface="WenQuanYi Zen Hei" charset="0"/>
-            </a:endParaRPr>
+              <a:t>  t1.txt </a:t>
+            </a:r>
           </a:p>
           <a:p>
             <a:pPr>
@@ -15525,27 +15318,7 @@
                 <a:ea typeface="WenQuanYi Zen Hei" charset="0"/>
                 <a:cs typeface="WenQuanYi Zen Hei" charset="0"/>
               </a:rPr>
-              <a:t>introduction to computing systems from bits and gates to C and </a:t>
-            </a:r>
-            <a:r>
-              <a:rPr lang="en-US" sz="2800" dirty="0" smtClean="0">
-                <a:solidFill>
-                  <a:srgbClr val="000000"/>
-                </a:solidFill>
-                <a:ea typeface="WenQuanYi Zen Hei" charset="0"/>
-                <a:cs typeface="WenQuanYi Zen Hei" charset="0"/>
-              </a:rPr>
-              <a:t>beyond Birla </a:t>
-            </a:r>
-            <a:r>
-              <a:rPr lang="en-US" sz="2800" dirty="0">
-                <a:solidFill>
-                  <a:srgbClr val="000000"/>
-                </a:solidFill>
-                <a:ea typeface="WenQuanYi Zen Hei" charset="0"/>
-                <a:cs typeface="WenQuanYi Zen Hei" charset="0"/>
-              </a:rPr>
-              <a:t>institute of technology and science, </a:t>
+              <a:t>introduction to computing systems from bits and gates to C and beyond Birla institute of technology and science, </a:t>
             </a:r>
             <a:r>
               <a:rPr lang="en-US" sz="2800" dirty="0" err="1">
@@ -15876,20 +15649,20 @@
     </p:spTree>
     <p:extLst>
       <p:ext uri="{BB962C8B-B14F-4D97-AF65-F5344CB8AC3E}">
-        <p14:creationId xmlns="" xmlns:p14="http://schemas.microsoft.com/office/powerpoint/2010/main" val="3231706140"/>
+        <p14:creationId xmlns:p14="http://schemas.microsoft.com/office/powerpoint/2010/main" val="3231706140"/>
       </p:ext>
     </p:extLst>
   </p:cSld>
   <p:clrMapOvr>
     <a:masterClrMapping/>
   </p:clrMapOvr>
-  <mc:AlternateContent xmlns:mc="http://schemas.openxmlformats.org/markup-compatibility/2006">
-    <mc:Choice xmlns="" xmlns:p14="http://schemas.microsoft.com/office/powerpoint/2010/main" Requires="p14">
+  <mc:AlternateContent xmlns:mc="http://schemas.openxmlformats.org/markup-compatibility/2006" xmlns:p14="http://schemas.microsoft.com/office/powerpoint/2010/main">
+    <mc:Choice Requires="p14">
       <p:transition spd="slow" p14:dur="2000">
         <p:cut/>
       </p:transition>
     </mc:Choice>
-    <mc:Fallback>
+    <mc:Fallback xmlns="">
       <p:transition spd="slow">
         <p:cut/>
       </p:transition>
@@ -15937,7 +15710,7 @@
               <a:pPr/>
               <a:t>3</a:t>
             </a:fld>
-            <a:endParaRPr lang="en-US" smtClean="0"/>
+            <a:endParaRPr lang="en-US"/>
           </a:p>
         </p:txBody>
       </p:sp>
@@ -15969,7 +15742,7 @@
               <a:defRPr/>
             </a:pPr>
             <a:r>
-              <a:rPr lang="en-US" altLang="ko-KR" sz="1800" dirty="0" smtClean="0">
+              <a:rPr lang="en-US" altLang="ko-KR" sz="1800" dirty="0">
                 <a:ea typeface="굴림" pitchFamily="50" charset="-127"/>
               </a:rPr>
               <a:t>  </a:t>
@@ -15982,7 +15755,7 @@
               <a:defRPr/>
             </a:pPr>
             <a:r>
-              <a:rPr lang="en-US" altLang="ko-KR" sz="1800" dirty="0" smtClean="0">
+              <a:rPr lang="en-US" altLang="ko-KR" sz="1800" dirty="0">
                 <a:ea typeface="굴림" pitchFamily="50" charset="-127"/>
               </a:rPr>
               <a:t> </a:t>
@@ -15994,7 +15767,7 @@
               <a:buNone/>
               <a:defRPr/>
             </a:pPr>
-            <a:endParaRPr lang="en-US" altLang="ko-KR" sz="1800" dirty="0" smtClean="0">
+            <a:endParaRPr lang="en-US" altLang="ko-KR" sz="1800" dirty="0">
               <a:latin typeface="Times New Roman" pitchFamily="18" charset="0"/>
               <a:ea typeface="굴림" pitchFamily="50" charset="-127"/>
               <a:cs typeface="Times New Roman" pitchFamily="18" charset="0"/>
@@ -16006,7 +15779,7 @@
               <a:defRPr/>
             </a:pPr>
             <a:r>
-              <a:rPr lang="en-US" altLang="ko-KR" sz="2000" dirty="0" smtClean="0">
+              <a:rPr lang="en-US" altLang="ko-KR" sz="2000" dirty="0">
                 <a:latin typeface="Times New Roman" pitchFamily="18" charset="0"/>
                 <a:ea typeface="굴림" pitchFamily="50" charset="-127"/>
                 <a:cs typeface="Times New Roman" pitchFamily="18" charset="0"/>
@@ -16020,7 +15793,7 @@
               <a:buNone/>
               <a:defRPr/>
             </a:pPr>
-            <a:endParaRPr lang="en-US" altLang="ko-KR" sz="1800" dirty="0" smtClean="0">
+            <a:endParaRPr lang="en-US" altLang="ko-KR" sz="1800" dirty="0">
               <a:latin typeface="Times New Roman" pitchFamily="18" charset="0"/>
               <a:ea typeface="굴림" pitchFamily="50" charset="-127"/>
               <a:cs typeface="Times New Roman" pitchFamily="18" charset="0"/>
@@ -16033,7 +15806,7 @@
               <a:defRPr/>
             </a:pPr>
             <a:r>
-              <a:rPr lang="en-US" altLang="ko-KR" sz="2000" dirty="0" smtClean="0">
+              <a:rPr lang="en-US" altLang="ko-KR" sz="2000" dirty="0">
                 <a:latin typeface="Times New Roman" pitchFamily="18" charset="0"/>
                 <a:ea typeface="굴림" pitchFamily="50" charset="-127"/>
                 <a:cs typeface="Times New Roman" pitchFamily="18" charset="0"/>
@@ -16051,7 +15824,7 @@
               <a:defRPr/>
             </a:pPr>
             <a:r>
-              <a:rPr lang="en-US" altLang="ko-KR" sz="2400" dirty="0" smtClean="0">
+              <a:rPr lang="en-US" altLang="ko-KR" sz="2400" dirty="0">
                 <a:latin typeface="Times New Roman" pitchFamily="18" charset="0"/>
                 <a:cs typeface="Times New Roman" pitchFamily="18" charset="0"/>
               </a:rPr>
@@ -16068,14 +15841,14 @@
               <a:defRPr/>
             </a:pPr>
             <a:r>
-              <a:rPr lang="ko-KR" altLang="en-US" sz="2000" dirty="0" smtClean="0">
+              <a:rPr lang="ko-KR" altLang="en-US" sz="2000" dirty="0">
                 <a:latin typeface="Times New Roman" pitchFamily="18" charset="0"/>
                 <a:cs typeface="Times New Roman" pitchFamily="18" charset="0"/>
               </a:rPr>
               <a:t>10 </a:t>
             </a:r>
             <a:r>
-              <a:rPr lang="en-US" altLang="ko-KR" sz="2000" dirty="0" smtClean="0">
+              <a:rPr lang="en-US" altLang="ko-KR" sz="2000" dirty="0">
                 <a:latin typeface="Times New Roman" pitchFamily="18" charset="0"/>
                 <a:cs typeface="Times New Roman" pitchFamily="18" charset="0"/>
               </a:rPr>
@@ -16092,7 +15865,7 @@
               <a:defRPr/>
             </a:pPr>
             <a:r>
-              <a:rPr lang="en-US" altLang="ko-KR" sz="2400" dirty="0" smtClean="0">
+              <a:rPr lang="en-US" altLang="ko-KR" sz="2400" dirty="0">
                 <a:latin typeface="Times New Roman" pitchFamily="18" charset="0"/>
                 <a:cs typeface="Times New Roman" pitchFamily="18" charset="0"/>
               </a:rPr>
@@ -16109,7 +15882,7 @@
               <a:defRPr/>
             </a:pPr>
             <a:r>
-              <a:rPr lang="en-US" altLang="ko-KR" sz="2000" dirty="0" smtClean="0">
+              <a:rPr lang="en-US" altLang="ko-KR" sz="2000" dirty="0">
                 <a:latin typeface="Times New Roman" pitchFamily="18" charset="0"/>
                 <a:cs typeface="Times New Roman" pitchFamily="18" charset="0"/>
               </a:rPr>
@@ -16126,7 +15899,7 @@
               <a:defRPr/>
             </a:pPr>
             <a:r>
-              <a:rPr lang="en-US" altLang="ko-KR" sz="2000" dirty="0" smtClean="0">
+              <a:rPr lang="en-US" altLang="ko-KR" sz="2000" dirty="0">
                 <a:latin typeface="Times New Roman" pitchFamily="18" charset="0"/>
                 <a:cs typeface="Times New Roman" pitchFamily="18" charset="0"/>
               </a:rPr>
@@ -16143,7 +15916,7 @@
               <a:defRPr/>
             </a:pPr>
             <a:r>
-              <a:rPr lang="en-US" altLang="ko-KR" sz="2000" dirty="0" smtClean="0">
+              <a:rPr lang="en-US" altLang="ko-KR" sz="2000" dirty="0">
                 <a:latin typeface="Times New Roman" pitchFamily="18" charset="0"/>
                 <a:cs typeface="Times New Roman" pitchFamily="18" charset="0"/>
               </a:rPr>
@@ -16160,14 +15933,14 @@
               <a:defRPr/>
             </a:pPr>
             <a:r>
-              <a:rPr lang="en-US" altLang="ko-KR" sz="2400" dirty="0" smtClean="0">
+              <a:rPr lang="en-US" altLang="ko-KR" sz="2400" dirty="0">
                 <a:latin typeface="Times New Roman" pitchFamily="18" charset="0"/>
                 <a:cs typeface="Times New Roman" pitchFamily="18" charset="0"/>
               </a:rPr>
               <a:t>Byte Capacity of a File</a:t>
             </a:r>
             <a:r>
-              <a:rPr lang="en-US" altLang="ko-KR" sz="2000" dirty="0" smtClean="0">
+              <a:rPr lang="en-US" altLang="ko-KR" sz="2000" dirty="0">
                 <a:latin typeface="Times New Roman" pitchFamily="18" charset="0"/>
                 <a:cs typeface="Times New Roman" pitchFamily="18" charset="0"/>
               </a:rPr>
@@ -16180,7 +15953,7 @@
               <a:buNone/>
               <a:defRPr/>
             </a:pPr>
-            <a:endParaRPr lang="en-US" altLang="ko-KR" sz="2000" dirty="0" smtClean="0">
+            <a:endParaRPr lang="en-US" altLang="ko-KR" sz="2000" dirty="0">
               <a:latin typeface="Times New Roman" pitchFamily="18" charset="0"/>
               <a:ea typeface="굴림" pitchFamily="50" charset="-127"/>
               <a:cs typeface="Times New Roman" pitchFamily="18" charset="0"/>
@@ -16192,7 +15965,7 @@
               <a:buNone/>
               <a:defRPr/>
             </a:pPr>
-            <a:endParaRPr lang="en-US" altLang="ko-KR" sz="2000" dirty="0" smtClean="0">
+            <a:endParaRPr lang="en-US" altLang="ko-KR" sz="2000" dirty="0">
               <a:latin typeface="Times New Roman" pitchFamily="18" charset="0"/>
               <a:ea typeface="굴림" pitchFamily="50" charset="-127"/>
               <a:cs typeface="Times New Roman" pitchFamily="18" charset="0"/>
@@ -16205,7 +15978,7 @@
               <a:defRPr/>
             </a:pPr>
             <a:r>
-              <a:rPr lang="en-US" altLang="ko-KR" sz="2000" dirty="0" smtClean="0">
+              <a:rPr lang="en-US" altLang="ko-KR" sz="2000" dirty="0">
                 <a:latin typeface="Times New Roman" pitchFamily="18" charset="0"/>
                 <a:ea typeface="굴림" pitchFamily="50" charset="-127"/>
                 <a:cs typeface="Times New Roman" pitchFamily="18" charset="0"/>
@@ -16220,7 +15993,7 @@
               <a:defRPr/>
             </a:pPr>
             <a:r>
-              <a:rPr lang="en-US" altLang="ko-KR" sz="2000" dirty="0" smtClean="0">
+              <a:rPr lang="en-US" altLang="ko-KR" sz="2000" dirty="0">
                 <a:latin typeface="Times New Roman" pitchFamily="18" charset="0"/>
                 <a:ea typeface="굴림" pitchFamily="50" charset="-127"/>
                 <a:cs typeface="Times New Roman" pitchFamily="18" charset="0"/>
@@ -16235,7 +16008,7 @@
               <a:defRPr/>
             </a:pPr>
             <a:r>
-              <a:rPr lang="en-US" altLang="ko-KR" sz="2000" dirty="0" smtClean="0">
+              <a:rPr lang="en-US" altLang="ko-KR" sz="2000" dirty="0">
                 <a:latin typeface="Times New Roman" pitchFamily="18" charset="0"/>
                 <a:ea typeface="굴림" pitchFamily="50" charset="-127"/>
                 <a:cs typeface="Times New Roman" pitchFamily="18" charset="0"/>
@@ -16250,7 +16023,7 @@
               <a:defRPr/>
             </a:pPr>
             <a:r>
-              <a:rPr lang="en-US" altLang="ko-KR" sz="2000" dirty="0" smtClean="0">
+              <a:rPr lang="en-US" altLang="ko-KR" sz="2000" dirty="0">
                 <a:latin typeface="Times New Roman" pitchFamily="18" charset="0"/>
                 <a:ea typeface="굴림" pitchFamily="50" charset="-127"/>
                 <a:cs typeface="Times New Roman" pitchFamily="18" charset="0"/>
@@ -16258,7 +16031,7 @@
               <a:t>1 triple indirect block with 256 double indirect blocks=64M*256=16 </a:t>
             </a:r>
             <a:r>
-              <a:rPr lang="en-US" altLang="ko-KR" sz="2000" dirty="0" err="1" smtClean="0">
+              <a:rPr lang="en-US" altLang="ko-KR" sz="2000" dirty="0" err="1">
                 <a:latin typeface="Times New Roman" pitchFamily="18" charset="0"/>
                 <a:ea typeface="굴림" pitchFamily="50" charset="-127"/>
                 <a:cs typeface="Times New Roman" pitchFamily="18" charset="0"/>
@@ -16266,7 +16039,7 @@
               <a:t>Gbytes</a:t>
             </a:r>
             <a:r>
-              <a:rPr lang="en-US" altLang="ko-KR" sz="2000" dirty="0" smtClean="0">
+              <a:rPr lang="en-US" altLang="ko-KR" sz="2000" dirty="0">
                 <a:latin typeface="Times New Roman" pitchFamily="18" charset="0"/>
                 <a:ea typeface="굴림" pitchFamily="50" charset="-127"/>
                 <a:cs typeface="Times New Roman" pitchFamily="18" charset="0"/>
@@ -16315,13 +16088,6 @@
   <p:clrMapOvr>
     <a:masterClrMapping/>
   </p:clrMapOvr>
-  <p:timing>
-    <p:tnLst>
-      <p:par>
-        <p:cTn id="1" dur="indefinite" restart="never" nodeType="tmRoot"/>
-      </p:par>
-    </p:tnLst>
-  </p:timing>
 </p:sld>
 </file>
 
@@ -16357,7 +16123,7 @@
           <a:bodyPr/>
           <a:lstStyle/>
           <a:p>
-            <a:endParaRPr lang="en-US" smtClean="0"/>
+            <a:endParaRPr lang="en-US"/>
           </a:p>
         </p:txBody>
       </p:sp>
@@ -16381,7 +16147,7 @@
               <a:buChar char="q"/>
             </a:pPr>
             <a:r>
-              <a:rPr lang="en-US" altLang="ko-KR" sz="2400" dirty="0" smtClean="0">
+              <a:rPr lang="en-US" altLang="ko-KR" sz="2400" dirty="0">
                 <a:latin typeface="Times New Roman" pitchFamily="18" charset="0"/>
                 <a:ea typeface="굴림" pitchFamily="34" charset="-127"/>
                 <a:cs typeface="Times New Roman" pitchFamily="18" charset="0"/>
@@ -16395,7 +16161,7 @@
               <a:buChar char="q"/>
             </a:pPr>
             <a:r>
-              <a:rPr lang="en-US" altLang="ko-KR" sz="2000" dirty="0" smtClean="0">
+              <a:rPr lang="en-US" altLang="ko-KR" sz="2000" dirty="0">
                 <a:latin typeface="Times New Roman" pitchFamily="18" charset="0"/>
                 <a:ea typeface="굴림" pitchFamily="34" charset="-127"/>
                 <a:cs typeface="Times New Roman" pitchFamily="18" charset="0"/>
@@ -16409,7 +16175,7 @@
               <a:buChar char="q"/>
             </a:pPr>
             <a:r>
-              <a:rPr lang="en-US" altLang="ko-KR" sz="2000" dirty="0" smtClean="0">
+              <a:rPr lang="en-US" altLang="ko-KR" sz="2000" dirty="0">
                 <a:latin typeface="Times New Roman" pitchFamily="18" charset="0"/>
                 <a:ea typeface="굴림" pitchFamily="34" charset="-127"/>
                 <a:cs typeface="Times New Roman" pitchFamily="18" charset="0"/>
@@ -16423,7 +16189,7 @@
               <a:buChar char="q"/>
             </a:pPr>
             <a:r>
-              <a:rPr lang="en-US" altLang="ko-KR" sz="2400" dirty="0" smtClean="0">
+              <a:rPr lang="en-US" altLang="ko-KR" sz="2400" dirty="0">
                 <a:latin typeface="Times New Roman" pitchFamily="18" charset="0"/>
                 <a:ea typeface="굴림" pitchFamily="34" charset="-127"/>
                 <a:cs typeface="Times New Roman" pitchFamily="18" charset="0"/>
@@ -16437,7 +16203,7 @@
               <a:buChar char="q"/>
             </a:pPr>
             <a:r>
-              <a:rPr lang="en-US" altLang="ko-KR" sz="2000" dirty="0" smtClean="0">
+              <a:rPr lang="en-US" altLang="ko-KR" sz="2000" dirty="0">
                 <a:latin typeface="Times New Roman" pitchFamily="18" charset="0"/>
                 <a:ea typeface="굴림" pitchFamily="34" charset="-127"/>
                 <a:cs typeface="Times New Roman" pitchFamily="18" charset="0"/>
@@ -16445,7 +16211,7 @@
               <a:t>accesses the </a:t>
             </a:r>
             <a:r>
-              <a:rPr lang="en-US" altLang="ko-KR" sz="2000" dirty="0" err="1" smtClean="0">
+              <a:rPr lang="en-US" altLang="ko-KR" sz="2000" dirty="0" err="1">
                 <a:latin typeface="Times New Roman" pitchFamily="18" charset="0"/>
                 <a:ea typeface="굴림" pitchFamily="34" charset="-127"/>
                 <a:cs typeface="Times New Roman" pitchFamily="18" charset="0"/>
@@ -16453,7 +16219,7 @@
               <a:t>inode</a:t>
             </a:r>
             <a:r>
-              <a:rPr lang="en-US" altLang="ko-KR" sz="2000" dirty="0" smtClean="0">
+              <a:rPr lang="en-US" altLang="ko-KR" sz="2000" dirty="0">
                 <a:latin typeface="Times New Roman" pitchFamily="18" charset="0"/>
                 <a:ea typeface="굴림" pitchFamily="34" charset="-127"/>
                 <a:cs typeface="Times New Roman" pitchFamily="18" charset="0"/>
@@ -16467,7 +16233,7 @@
               <a:buChar char="q"/>
             </a:pPr>
             <a:r>
-              <a:rPr lang="en-US" altLang="ko-KR" sz="2000" dirty="0" smtClean="0">
+              <a:rPr lang="en-US" altLang="ko-KR" sz="2000" dirty="0">
                 <a:latin typeface="Times New Roman" pitchFamily="18" charset="0"/>
                 <a:ea typeface="굴림" pitchFamily="34" charset="-127"/>
                 <a:cs typeface="Times New Roman" pitchFamily="18" charset="0"/>
@@ -16481,14 +16247,14 @@
               <a:buChar char="q"/>
             </a:pPr>
             <a:r>
-              <a:rPr lang="en-US" altLang="ko-KR" sz="2400" kern="0" dirty="0" smtClean="0">
+              <a:rPr lang="en-US" altLang="ko-KR" sz="2400" kern="0" dirty="0">
                 <a:latin typeface="Times New Roman" pitchFamily="18" charset="0"/>
                 <a:cs typeface="Times New Roman" pitchFamily="18" charset="0"/>
               </a:rPr>
               <a:t>Algorithm </a:t>
             </a:r>
             <a:r>
-              <a:rPr lang="en-US" altLang="ko-KR" sz="2400" kern="0" dirty="0" err="1" smtClean="0">
+              <a:rPr lang="en-US" altLang="ko-KR" sz="2400" kern="0" dirty="0" err="1">
                 <a:solidFill>
                   <a:srgbClr val="0000FF"/>
                 </a:solidFill>
@@ -16498,7 +16264,7 @@
               <a:t>bmap</a:t>
             </a:r>
             <a:r>
-              <a:rPr lang="en-US" altLang="ko-KR" sz="2400" kern="0" dirty="0" smtClean="0">
+              <a:rPr lang="en-US" altLang="ko-KR" sz="2400" kern="0" dirty="0">
                 <a:latin typeface="Times New Roman" pitchFamily="18" charset="0"/>
                 <a:cs typeface="Times New Roman" pitchFamily="18" charset="0"/>
               </a:rPr>
@@ -16506,7 +16272,7 @@
             </a:r>
           </a:p>
           <a:p>
-            <a:endParaRPr lang="en-US" dirty="0" smtClean="0"/>
+            <a:endParaRPr lang="en-US" dirty="0"/>
           </a:p>
         </p:txBody>
       </p:sp>
@@ -16532,7 +16298,7 @@
               <a:pPr/>
               <a:t>4</a:t>
             </a:fld>
-            <a:endParaRPr lang="en-US" smtClean="0"/>
+            <a:endParaRPr lang="en-US"/>
           </a:p>
         </p:txBody>
       </p:sp>
@@ -16541,13 +16307,6 @@
   <p:clrMapOvr>
     <a:masterClrMapping/>
   </p:clrMapOvr>
-  <p:timing>
-    <p:tnLst>
-      <p:par>
-        <p:cTn id="1" dur="indefinite" restart="never" nodeType="tmRoot"/>
-      </p:par>
-    </p:tnLst>
-  </p:timing>
 </p:sld>
 </file>
 
@@ -16641,7 +16400,7 @@
               </a:pPr>
               <a:t>5</a:t>
             </a:fld>
-            <a:endParaRPr kumimoji="0" lang="ko-KR" altLang="en-US" sz="1600" b="1" i="0" u="none" strike="noStrike" kern="1200" cap="none" spc="0" normalizeH="0" baseline="0" noProof="0" smtClean="0">
+            <a:endParaRPr kumimoji="0" lang="ko-KR" altLang="en-US" sz="1600" b="1" i="0" u="none" strike="noStrike" kern="1200" cap="none" spc="0" normalizeH="0" baseline="0" noProof="0">
               <a:ln>
                 <a:noFill/>
               </a:ln>
@@ -16697,7 +16456,7 @@
               <a:defRPr/>
             </a:pPr>
             <a:r>
-              <a:rPr kumimoji="0" lang="en-US" altLang="ko-KR" sz="3200" b="0" i="0" u="none" strike="noStrike" kern="1200" cap="none" spc="0" normalizeH="0" baseline="0" noProof="0" dirty="0" smtClean="0">
+              <a:rPr kumimoji="0" lang="en-US" altLang="ko-KR" sz="3200" b="0" i="0" u="none" strike="noStrike" kern="1200" cap="none" spc="0" normalizeH="0" baseline="0" noProof="0" dirty="0">
                 <a:ln>
                   <a:noFill/>
                 </a:ln>
@@ -16714,7 +16473,7 @@
               <a:t>Block Layout of a Sample File and its </a:t>
             </a:r>
             <a:r>
-              <a:rPr kumimoji="0" lang="en-US" altLang="ko-KR" sz="3200" b="0" i="0" u="none" strike="noStrike" kern="1200" cap="none" spc="0" normalizeH="0" baseline="0" noProof="0" dirty="0" err="1" smtClean="0">
+              <a:rPr kumimoji="0" lang="en-US" altLang="ko-KR" sz="3200" b="0" i="0" u="none" strike="noStrike" kern="1200" cap="none" spc="0" normalizeH="0" baseline="0" noProof="0" dirty="0" err="1">
                 <a:ln>
                   <a:noFill/>
                 </a:ln>
@@ -16730,7 +16489,7 @@
               </a:rPr>
               <a:t>Inode</a:t>
             </a:r>
-            <a:endParaRPr kumimoji="0" lang="en-US" altLang="ko-KR" sz="3200" b="0" i="0" u="none" strike="noStrike" kern="1200" cap="none" spc="0" normalizeH="0" baseline="0" noProof="0" dirty="0" smtClean="0">
+            <a:endParaRPr kumimoji="0" lang="en-US" altLang="ko-KR" sz="3200" b="0" i="0" u="none" strike="noStrike" kern="1200" cap="none" spc="0" normalizeH="0" baseline="0" noProof="0" dirty="0">
               <a:ln>
                 <a:noFill/>
               </a:ln>
@@ -16785,13 +16544,6 @@
   <p:clrMapOvr>
     <a:masterClrMapping/>
   </p:clrMapOvr>
-  <p:timing>
-    <p:tnLst>
-      <p:par>
-        <p:cTn id="1" dur="indefinite" restart="never" nodeType="tmRoot"/>
-      </p:par>
-    </p:tnLst>
-  </p:timing>
 </p:sld>
 </file>
 
@@ -16828,10 +16580,9 @@
           <a:lstStyle/>
           <a:p>
             <a:r>
-              <a:rPr lang="en-US" dirty="0" smtClean="0"/>
+              <a:rPr lang="en-US" dirty="0"/>
               <a:t>Example</a:t>
             </a:r>
-            <a:endParaRPr lang="en-US" dirty="0"/>
           </a:p>
         </p:txBody>
       </p:sp>
@@ -16853,7 +16604,7 @@
           <a:lstStyle/>
           <a:p>
             <a:r>
-              <a:rPr lang="en-US" sz="2400" dirty="0" smtClean="0">
+              <a:rPr lang="en-US" sz="2400" dirty="0">
                 <a:latin typeface="Times New Roman" pitchFamily="18" charset="0"/>
                 <a:cs typeface="Times New Roman" pitchFamily="18" charset="0"/>
               </a:rPr>
@@ -16862,7 +16613,7 @@
           </a:p>
           <a:p>
             <a:r>
-              <a:rPr lang="en-US" sz="2400" dirty="0" smtClean="0">
+              <a:rPr lang="en-US" sz="2400" dirty="0">
                 <a:latin typeface="Times New Roman" pitchFamily="18" charset="0"/>
                 <a:cs typeface="Times New Roman" pitchFamily="18" charset="0"/>
               </a:rPr>
@@ -16871,7 +16622,7 @@
           </a:p>
           <a:p>
             <a:r>
-              <a:rPr lang="en-US" sz="2400" dirty="0" smtClean="0">
+              <a:rPr lang="en-US" sz="2400" dirty="0">
                 <a:latin typeface="Times New Roman" pitchFamily="18" charset="0"/>
                 <a:cs typeface="Times New Roman" pitchFamily="18" charset="0"/>
               </a:rPr>
@@ -16880,14 +16631,14 @@
           </a:p>
           <a:p>
             <a:r>
-              <a:rPr lang="en-US" sz="2400" dirty="0" smtClean="0">
+              <a:rPr lang="en-US" sz="2400" dirty="0">
                 <a:latin typeface="Times New Roman" pitchFamily="18" charset="0"/>
                 <a:cs typeface="Times New Roman" pitchFamily="18" charset="0"/>
               </a:rPr>
               <a:t>If a process makes a request to access </a:t>
             </a:r>
             <a:r>
-              <a:rPr lang="en-US" sz="2400" dirty="0" smtClean="0">
+              <a:rPr lang="en-US" sz="2400" dirty="0">
                 <a:solidFill>
                   <a:srgbClr val="0000FF"/>
                 </a:solidFill>
@@ -16897,7 +16648,7 @@
               <a:t>9000 byte offset</a:t>
             </a:r>
             <a:r>
-              <a:rPr lang="en-US" sz="2400" dirty="0" smtClean="0">
+              <a:rPr lang="en-US" sz="2400" dirty="0">
                 <a:latin typeface="Times New Roman" pitchFamily="18" charset="0"/>
                 <a:cs typeface="Times New Roman" pitchFamily="18" charset="0"/>
               </a:rPr>
@@ -16906,7 +16657,7 @@
           </a:p>
           <a:p>
             <a:r>
-              <a:rPr lang="en-US" sz="2400" dirty="0" smtClean="0">
+              <a:rPr lang="en-US" sz="2400" dirty="0">
                 <a:latin typeface="Times New Roman" pitchFamily="18" charset="0"/>
                 <a:cs typeface="Times New Roman" pitchFamily="18" charset="0"/>
               </a:rPr>
@@ -16915,21 +16666,21 @@
           </a:p>
           <a:p>
             <a:r>
-              <a:rPr lang="en-US" sz="2400" dirty="0" smtClean="0">
+              <a:rPr lang="en-US" sz="2400" dirty="0">
                 <a:latin typeface="Times New Roman" pitchFamily="18" charset="0"/>
                 <a:cs typeface="Times New Roman" pitchFamily="18" charset="0"/>
               </a:rPr>
               <a:t>That means 9000 – 808 = 8192 byte offset is last offset in 8</a:t>
             </a:r>
             <a:r>
-              <a:rPr lang="en-US" sz="2400" baseline="30000" dirty="0" smtClean="0">
+              <a:rPr lang="en-US" sz="2400" baseline="30000" dirty="0">
                 <a:latin typeface="Times New Roman" pitchFamily="18" charset="0"/>
                 <a:cs typeface="Times New Roman" pitchFamily="18" charset="0"/>
               </a:rPr>
               <a:t>th</a:t>
             </a:r>
             <a:r>
-              <a:rPr lang="en-US" sz="2400" dirty="0" smtClean="0">
+              <a:rPr lang="en-US" sz="2400" dirty="0">
                 <a:latin typeface="Times New Roman" pitchFamily="18" charset="0"/>
                 <a:cs typeface="Times New Roman" pitchFamily="18" charset="0"/>
               </a:rPr>
@@ -16938,35 +16689,35 @@
           </a:p>
           <a:p>
             <a:r>
-              <a:rPr lang="en-US" sz="2400" dirty="0" smtClean="0">
+              <a:rPr lang="en-US" sz="2400" dirty="0">
                 <a:latin typeface="Times New Roman" pitchFamily="18" charset="0"/>
                 <a:cs typeface="Times New Roman" pitchFamily="18" charset="0"/>
               </a:rPr>
               <a:t>Since 808 &lt; 1024 , therefore byte offset 9000 is surely present in 9</a:t>
             </a:r>
             <a:r>
-              <a:rPr lang="en-US" sz="2400" baseline="30000" dirty="0" smtClean="0">
+              <a:rPr lang="en-US" sz="2400" baseline="30000" dirty="0">
                 <a:latin typeface="Times New Roman" pitchFamily="18" charset="0"/>
                 <a:cs typeface="Times New Roman" pitchFamily="18" charset="0"/>
               </a:rPr>
               <a:t>th</a:t>
             </a:r>
             <a:r>
-              <a:rPr lang="en-US" sz="2400" dirty="0" smtClean="0">
+              <a:rPr lang="en-US" sz="2400" dirty="0">
                 <a:latin typeface="Times New Roman" pitchFamily="18" charset="0"/>
                 <a:cs typeface="Times New Roman" pitchFamily="18" charset="0"/>
               </a:rPr>
               <a:t> index block with block no. 367 and in 808</a:t>
             </a:r>
             <a:r>
-              <a:rPr lang="en-US" sz="2400" baseline="30000" dirty="0" smtClean="0">
+              <a:rPr lang="en-US" sz="2400" baseline="30000" dirty="0">
                 <a:latin typeface="Times New Roman" pitchFamily="18" charset="0"/>
                 <a:cs typeface="Times New Roman" pitchFamily="18" charset="0"/>
               </a:rPr>
               <a:t>th</a:t>
             </a:r>
             <a:r>
-              <a:rPr lang="en-US" sz="2400" dirty="0" smtClean="0">
+              <a:rPr lang="en-US" sz="2400" dirty="0">
                 <a:latin typeface="Times New Roman" pitchFamily="18" charset="0"/>
                 <a:cs typeface="Times New Roman" pitchFamily="18" charset="0"/>
               </a:rPr>
@@ -16986,13 +16737,6 @@
   <p:clrMapOvr>
     <a:masterClrMapping/>
   </p:clrMapOvr>
-  <p:timing>
-    <p:tnLst>
-      <p:par>
-        <p:cTn id="1" dur="indefinite" restart="never" nodeType="tmRoot"/>
-      </p:par>
-    </p:tnLst>
-  </p:timing>
 </p:sld>
 </file>
 
@@ -17031,14 +16775,14 @@
           <a:lstStyle/>
           <a:p>
             <a:r>
-              <a:rPr lang="en-US" sz="2400" dirty="0" smtClean="0">
+              <a:rPr lang="en-US" sz="2400" dirty="0">
                 <a:latin typeface="Times New Roman" pitchFamily="18" charset="0"/>
                 <a:cs typeface="Times New Roman" pitchFamily="18" charset="0"/>
               </a:rPr>
               <a:t>If a process makes a request to access </a:t>
             </a:r>
             <a:r>
-              <a:rPr lang="en-US" sz="2400" dirty="0" smtClean="0">
+              <a:rPr lang="en-US" sz="2400" dirty="0">
                 <a:solidFill>
                   <a:srgbClr val="0000FF"/>
                 </a:solidFill>
@@ -17048,7 +16792,7 @@
               <a:t>350,000 byte offset</a:t>
             </a:r>
             <a:r>
-              <a:rPr lang="en-US" sz="2400" dirty="0" smtClean="0">
+              <a:rPr lang="en-US" sz="2400" dirty="0">
                 <a:latin typeface="Times New Roman" pitchFamily="18" charset="0"/>
                 <a:cs typeface="Times New Roman" pitchFamily="18" charset="0"/>
               </a:rPr>
@@ -17080,14 +16824,14 @@
           <a:lstStyle/>
           <a:p>
             <a:r>
-              <a:rPr lang="en-US" dirty="0" smtClean="0">
+              <a:rPr lang="en-US" dirty="0">
                 <a:latin typeface="Times New Roman" pitchFamily="18" charset="0"/>
                 <a:cs typeface="Times New Roman" pitchFamily="18" charset="0"/>
               </a:rPr>
               <a:t>First 10 direct blocks can access </a:t>
             </a:r>
             <a:r>
-              <a:rPr lang="en-US" dirty="0" smtClean="0">
+              <a:rPr lang="en-US" dirty="0">
                 <a:solidFill>
                   <a:srgbClr val="0000FF"/>
                 </a:solidFill>
@@ -17097,7 +16841,7 @@
               <a:t>10240 bytes or 10K bytes</a:t>
             </a:r>
             <a:r>
-              <a:rPr lang="en-US" dirty="0" smtClean="0">
+              <a:rPr lang="en-US" dirty="0">
                 <a:latin typeface="Times New Roman" pitchFamily="18" charset="0"/>
                 <a:cs typeface="Times New Roman" pitchFamily="18" charset="0"/>
               </a:rPr>
@@ -17106,7 +16850,7 @@
           </a:p>
           <a:p>
             <a:r>
-              <a:rPr lang="en-US" dirty="0" smtClean="0">
+              <a:rPr lang="en-US" dirty="0">
                 <a:latin typeface="Times New Roman" pitchFamily="18" charset="0"/>
                 <a:cs typeface="Times New Roman" pitchFamily="18" charset="0"/>
               </a:rPr>
@@ -17115,7 +16859,7 @@
           </a:p>
           <a:p>
             <a:r>
-              <a:rPr lang="en-US" dirty="0" smtClean="0">
+              <a:rPr lang="en-US" dirty="0">
                 <a:latin typeface="Times New Roman" pitchFamily="18" charset="0"/>
                 <a:cs typeface="Times New Roman" pitchFamily="18" charset="0"/>
               </a:rPr>
@@ -17124,7 +16868,7 @@
           </a:p>
           <a:p>
             <a:r>
-              <a:rPr lang="en-US" dirty="0" smtClean="0">
+              <a:rPr lang="en-US" dirty="0">
                 <a:latin typeface="Times New Roman" pitchFamily="18" charset="0"/>
                 <a:cs typeface="Times New Roman" pitchFamily="18" charset="0"/>
               </a:rPr>
@@ -17133,7 +16877,7 @@
           </a:p>
           <a:p>
             <a:r>
-              <a:rPr lang="en-US" dirty="0" smtClean="0">
+              <a:rPr lang="en-US" dirty="0">
                 <a:latin typeface="Times New Roman" pitchFamily="18" charset="0"/>
                 <a:cs typeface="Times New Roman" pitchFamily="18" charset="0"/>
               </a:rPr>
@@ -17142,7 +16886,7 @@
           </a:p>
           <a:p>
             <a:r>
-              <a:rPr lang="en-US" dirty="0" smtClean="0">
+              <a:rPr lang="en-US" dirty="0">
                 <a:latin typeface="Times New Roman" pitchFamily="18" charset="0"/>
                 <a:cs typeface="Times New Roman" pitchFamily="18" charset="0"/>
               </a:rPr>
@@ -17151,35 +16895,35 @@
           </a:p>
           <a:p>
             <a:r>
-              <a:rPr lang="en-US" dirty="0" smtClean="0">
+              <a:rPr lang="en-US" dirty="0">
                 <a:latin typeface="Times New Roman" pitchFamily="18" charset="0"/>
                 <a:cs typeface="Times New Roman" pitchFamily="18" charset="0"/>
               </a:rPr>
               <a:t>First entry in double indirect block points to first single indirect block which holds 256 block </a:t>
             </a:r>
             <a:r>
-              <a:rPr lang="en-US" dirty="0" err="1" smtClean="0">
+              <a:rPr lang="en-US" dirty="0" err="1">
                 <a:latin typeface="Times New Roman" pitchFamily="18" charset="0"/>
                 <a:cs typeface="Times New Roman" pitchFamily="18" charset="0"/>
               </a:rPr>
               <a:t>nos</a:t>
             </a:r>
             <a:r>
-              <a:rPr lang="en-US" dirty="0" smtClean="0">
+              <a:rPr lang="en-US" dirty="0">
                 <a:latin typeface="Times New Roman" pitchFamily="18" charset="0"/>
                 <a:cs typeface="Times New Roman" pitchFamily="18" charset="0"/>
               </a:rPr>
               <a:t> and hence points to 256K byte addresses </a:t>
             </a:r>
             <a:r>
-              <a:rPr lang="en-US" dirty="0" err="1" smtClean="0">
+              <a:rPr lang="en-US" dirty="0" err="1">
                 <a:latin typeface="Times New Roman" pitchFamily="18" charset="0"/>
                 <a:cs typeface="Times New Roman" pitchFamily="18" charset="0"/>
               </a:rPr>
               <a:t>i.e</a:t>
             </a:r>
             <a:r>
-              <a:rPr lang="en-US" dirty="0" smtClean="0">
+              <a:rPr lang="en-US" dirty="0">
                 <a:latin typeface="Times New Roman" pitchFamily="18" charset="0"/>
                 <a:cs typeface="Times New Roman" pitchFamily="18" charset="0"/>
               </a:rPr>
@@ -17188,7 +16932,7 @@
           </a:p>
           <a:p>
             <a:r>
-              <a:rPr lang="en-US" dirty="0" smtClean="0">
+              <a:rPr lang="en-US" dirty="0">
                 <a:latin typeface="Times New Roman" pitchFamily="18" charset="0"/>
                 <a:cs typeface="Times New Roman" pitchFamily="18" charset="0"/>
               </a:rPr>
@@ -17197,35 +16941,35 @@
           </a:p>
           <a:p>
             <a:r>
-              <a:rPr lang="en-US" dirty="0" smtClean="0">
+              <a:rPr lang="en-US" dirty="0">
                 <a:latin typeface="Times New Roman" pitchFamily="18" charset="0"/>
                 <a:cs typeface="Times New Roman" pitchFamily="18" charset="0"/>
               </a:rPr>
               <a:t>It comes out to be 75</a:t>
             </a:r>
             <a:r>
-              <a:rPr lang="en-US" baseline="30000" dirty="0" smtClean="0">
+              <a:rPr lang="en-US" baseline="30000" dirty="0">
                 <a:latin typeface="Times New Roman" pitchFamily="18" charset="0"/>
                 <a:cs typeface="Times New Roman" pitchFamily="18" charset="0"/>
               </a:rPr>
               <a:t>th</a:t>
             </a:r>
             <a:r>
-              <a:rPr lang="en-US" dirty="0" smtClean="0">
+              <a:rPr lang="en-US" dirty="0">
                 <a:latin typeface="Times New Roman" pitchFamily="18" charset="0"/>
                 <a:cs typeface="Times New Roman" pitchFamily="18" charset="0"/>
               </a:rPr>
               <a:t> block and 816</a:t>
             </a:r>
             <a:r>
-              <a:rPr lang="en-US" baseline="30000" dirty="0" smtClean="0">
+              <a:rPr lang="en-US" baseline="30000" dirty="0">
                 <a:latin typeface="Times New Roman" pitchFamily="18" charset="0"/>
                 <a:cs typeface="Times New Roman" pitchFamily="18" charset="0"/>
               </a:rPr>
               <a:t>th</a:t>
             </a:r>
             <a:r>
-              <a:rPr lang="en-US" dirty="0" smtClean="0">
+              <a:rPr lang="en-US" dirty="0">
                 <a:latin typeface="Times New Roman" pitchFamily="18" charset="0"/>
                 <a:cs typeface="Times New Roman" pitchFamily="18" charset="0"/>
               </a:rPr>
@@ -17245,13 +16989,6 @@
   <p:clrMapOvr>
     <a:masterClrMapping/>
   </p:clrMapOvr>
-  <p:timing>
-    <p:tnLst>
-      <p:par>
-        <p:cTn id="1" dur="indefinite" restart="never" nodeType="tmRoot"/>
-      </p:par>
-    </p:tnLst>
-  </p:timing>
 </p:sld>
 </file>
 
@@ -17295,14 +17032,14 @@
           <a:lstStyle/>
           <a:p>
             <a:r>
-              <a:rPr lang="en-US" altLang="ko-KR" dirty="0" smtClean="0">
+              <a:rPr lang="en-US" altLang="ko-KR" dirty="0">
                 <a:latin typeface="Times New Roman" pitchFamily="18" charset="0"/>
                 <a:ea typeface="굴림" pitchFamily="34" charset="-127"/>
                 <a:cs typeface="Times New Roman" pitchFamily="18" charset="0"/>
               </a:rPr>
               <a:t>Directories </a:t>
             </a:r>
-            <a:endParaRPr lang="en-US" dirty="0" smtClean="0">
+            <a:endParaRPr lang="en-US" dirty="0">
               <a:latin typeface="Times New Roman" pitchFamily="18" charset="0"/>
               <a:cs typeface="Times New Roman" pitchFamily="18" charset="0"/>
             </a:endParaRPr>
@@ -17331,7 +17068,7 @@
           <a:p>
             <a:pPr eaLnBrk="1" hangingPunct="1"/>
             <a:r>
-              <a:rPr lang="en-US" altLang="ko-KR" sz="2400" dirty="0" smtClean="0">
+              <a:rPr lang="en-US" altLang="ko-KR" sz="2400" dirty="0">
                 <a:latin typeface="Times New Roman" pitchFamily="18" charset="0"/>
                 <a:ea typeface="굴림" pitchFamily="34" charset="-127"/>
                 <a:cs typeface="Times New Roman" pitchFamily="18" charset="0"/>
@@ -17342,7 +17079,7 @@
           <a:p>
             <a:pPr lvl="1" eaLnBrk="1" hangingPunct="1"/>
             <a:r>
-              <a:rPr lang="en-US" altLang="ko-KR" sz="2000" dirty="0" smtClean="0">
+              <a:rPr lang="en-US" altLang="ko-KR" sz="2000" dirty="0">
                 <a:latin typeface="Times New Roman" pitchFamily="18" charset="0"/>
                 <a:ea typeface="굴림" pitchFamily="34" charset="-127"/>
                 <a:cs typeface="Times New Roman" pitchFamily="18" charset="0"/>
@@ -17353,7 +17090,7 @@
           <a:p>
             <a:pPr lvl="1" eaLnBrk="1" hangingPunct="1"/>
             <a:r>
-              <a:rPr lang="en-US" altLang="ko-KR" sz="2000" dirty="0" smtClean="0">
+              <a:rPr lang="en-US" altLang="ko-KR" sz="2000" dirty="0">
                 <a:latin typeface="Times New Roman" pitchFamily="18" charset="0"/>
                 <a:ea typeface="굴림" pitchFamily="34" charset="-127"/>
                 <a:cs typeface="Times New Roman" pitchFamily="18" charset="0"/>
@@ -17361,7 +17098,7 @@
               <a:t>Play an important role in conversion of a file name to an </a:t>
             </a:r>
             <a:r>
-              <a:rPr lang="en-US" altLang="ko-KR" sz="2000" dirty="0" err="1" smtClean="0">
+              <a:rPr lang="en-US" altLang="ko-KR" sz="2000" dirty="0" err="1">
                 <a:latin typeface="Times New Roman" pitchFamily="18" charset="0"/>
                 <a:ea typeface="굴림" pitchFamily="34" charset="-127"/>
                 <a:cs typeface="Times New Roman" pitchFamily="18" charset="0"/>
@@ -17369,7 +17106,7 @@
               <a:t>inode</a:t>
             </a:r>
             <a:r>
-              <a:rPr lang="en-US" altLang="ko-KR" sz="2000" dirty="0" smtClean="0">
+              <a:rPr lang="en-US" altLang="ko-KR" sz="2000" dirty="0">
                 <a:latin typeface="Times New Roman" pitchFamily="18" charset="0"/>
                 <a:ea typeface="굴림" pitchFamily="34" charset="-127"/>
                 <a:cs typeface="Times New Roman" pitchFamily="18" charset="0"/>
@@ -17380,7 +17117,7 @@
           <a:p>
             <a:pPr lvl="1" eaLnBrk="1" hangingPunct="1"/>
             <a:r>
-              <a:rPr lang="en-US" altLang="ko-KR" sz="2000" dirty="0" smtClean="0">
+              <a:rPr lang="en-US" altLang="ko-KR" sz="2000" dirty="0">
                 <a:latin typeface="Times New Roman" pitchFamily="18" charset="0"/>
                 <a:ea typeface="굴림" pitchFamily="34" charset="-127"/>
                 <a:cs typeface="Times New Roman" pitchFamily="18" charset="0"/>
@@ -17391,7 +17128,7 @@
           <a:p>
             <a:pPr lvl="1" eaLnBrk="1" hangingPunct="1"/>
             <a:r>
-              <a:rPr lang="en-US" altLang="ko-KR" sz="2000" dirty="0" smtClean="0">
+              <a:rPr lang="en-US" altLang="ko-KR" sz="2000" dirty="0">
                 <a:latin typeface="Times New Roman" pitchFamily="18" charset="0"/>
                 <a:ea typeface="굴림" pitchFamily="34" charset="-127"/>
                 <a:cs typeface="Times New Roman" pitchFamily="18" charset="0"/>
@@ -17402,7 +17139,7 @@
           <a:p>
             <a:pPr lvl="2" eaLnBrk="1" hangingPunct="1"/>
             <a:r>
-              <a:rPr lang="en-US" altLang="ko-KR" sz="1800" dirty="0" smtClean="0">
+              <a:rPr lang="en-US" altLang="ko-KR" sz="1800" dirty="0">
                 <a:latin typeface="Times New Roman" pitchFamily="18" charset="0"/>
                 <a:ea typeface="굴림" pitchFamily="34" charset="-127"/>
                 <a:cs typeface="Times New Roman" pitchFamily="18" charset="0"/>
@@ -17410,7 +17147,7 @@
               <a:t>an </a:t>
             </a:r>
             <a:r>
-              <a:rPr lang="en-US" altLang="ko-KR" sz="1800" dirty="0" err="1" smtClean="0">
+              <a:rPr lang="en-US" altLang="ko-KR" sz="1800" dirty="0" err="1">
                 <a:latin typeface="Times New Roman" pitchFamily="18" charset="0"/>
                 <a:ea typeface="굴림" pitchFamily="34" charset="-127"/>
                 <a:cs typeface="Times New Roman" pitchFamily="18" charset="0"/>
@@ -17418,7 +17155,7 @@
               <a:t>inode</a:t>
             </a:r>
             <a:r>
-              <a:rPr lang="en-US" altLang="ko-KR" sz="1800" dirty="0" smtClean="0">
+              <a:rPr lang="en-US" altLang="ko-KR" sz="1800" dirty="0">
                 <a:latin typeface="Times New Roman" pitchFamily="18" charset="0"/>
                 <a:ea typeface="굴림" pitchFamily="34" charset="-127"/>
                 <a:cs typeface="Times New Roman" pitchFamily="18" charset="0"/>
@@ -17429,7 +17166,7 @@
           <a:p>
             <a:pPr eaLnBrk="1" hangingPunct="1"/>
             <a:r>
-              <a:rPr lang="en-US" altLang="ko-KR" sz="2400" dirty="0" smtClean="0">
+              <a:rPr lang="en-US" altLang="ko-KR" sz="2400" dirty="0">
                 <a:latin typeface="Times New Roman" pitchFamily="18" charset="0"/>
                 <a:ea typeface="굴림" pitchFamily="34" charset="-127"/>
                 <a:cs typeface="Times New Roman" pitchFamily="18" charset="0"/>
@@ -17440,7 +17177,7 @@
           <a:p>
             <a:pPr eaLnBrk="1" hangingPunct="1"/>
             <a:r>
-              <a:rPr lang="en-US" altLang="ko-KR" sz="2400" dirty="0" smtClean="0">
+              <a:rPr lang="en-US" altLang="ko-KR" sz="2400" dirty="0">
                 <a:latin typeface="Times New Roman" pitchFamily="18" charset="0"/>
                 <a:ea typeface="굴림" pitchFamily="34" charset="-127"/>
                 <a:cs typeface="Times New Roman" pitchFamily="18" charset="0"/>
@@ -17451,7 +17188,7 @@
           <a:p>
             <a:pPr eaLnBrk="1" hangingPunct="1"/>
             <a:r>
-              <a:rPr lang="en-US" altLang="ko-KR" sz="2400" dirty="0" smtClean="0">
+              <a:rPr lang="en-US" altLang="ko-KR" sz="2400" dirty="0">
                 <a:latin typeface="Times New Roman" pitchFamily="18" charset="0"/>
                 <a:ea typeface="굴림" pitchFamily="34" charset="-127"/>
                 <a:cs typeface="Times New Roman" pitchFamily="18" charset="0"/>
@@ -17462,7 +17199,7 @@
           <a:p>
             <a:pPr lvl="1" eaLnBrk="1" hangingPunct="1"/>
             <a:r>
-              <a:rPr lang="en-US" altLang="ko-KR" sz="2000" dirty="0" smtClean="0">
+              <a:rPr lang="en-US" altLang="ko-KR" sz="2000" dirty="0">
                 <a:latin typeface="Times New Roman" pitchFamily="18" charset="0"/>
                 <a:ea typeface="굴림" pitchFamily="34" charset="-127"/>
                 <a:cs typeface="Times New Roman" pitchFamily="18" charset="0"/>
@@ -17473,7 +17210,7 @@
           <a:p>
             <a:pPr lvl="1" eaLnBrk="1" hangingPunct="1"/>
             <a:r>
-              <a:rPr lang="en-US" altLang="ko-KR" sz="2000" dirty="0" err="1" smtClean="0">
+              <a:rPr lang="en-US" altLang="ko-KR" sz="2000" dirty="0" err="1">
                 <a:latin typeface="Times New Roman" pitchFamily="18" charset="0"/>
                 <a:ea typeface="굴림" pitchFamily="34" charset="-127"/>
                 <a:cs typeface="Times New Roman" pitchFamily="18" charset="0"/>
@@ -17481,7 +17218,7 @@
               <a:t>Inode</a:t>
             </a:r>
             <a:r>
-              <a:rPr lang="en-US" altLang="ko-KR" sz="2000" dirty="0" smtClean="0">
+              <a:rPr lang="en-US" altLang="ko-KR" sz="2000" dirty="0">
                 <a:latin typeface="Times New Roman" pitchFamily="18" charset="0"/>
                 <a:ea typeface="굴림" pitchFamily="34" charset="-127"/>
                 <a:cs typeface="Times New Roman" pitchFamily="18" charset="0"/>
@@ -17492,7 +17229,7 @@
           <a:p>
             <a:pPr lvl="1" eaLnBrk="1" hangingPunct="1"/>
             <a:r>
-              <a:rPr lang="en-US" altLang="ko-KR" sz="2000" dirty="0" smtClean="0">
+              <a:rPr lang="en-US" altLang="ko-KR" sz="2000" dirty="0">
                 <a:latin typeface="Times New Roman" pitchFamily="18" charset="0"/>
                 <a:ea typeface="굴림" pitchFamily="34" charset="-127"/>
                 <a:cs typeface="Times New Roman" pitchFamily="18" charset="0"/>
@@ -17502,7 +17239,7 @@
           </a:p>
           <a:p>
             <a:pPr eaLnBrk="1" hangingPunct="1"/>
-            <a:endParaRPr lang="en-US" altLang="ko-KR" sz="2400" dirty="0" smtClean="0">
+            <a:endParaRPr lang="en-US" altLang="ko-KR" sz="2400" dirty="0">
               <a:ea typeface="굴림" pitchFamily="34" charset="-127"/>
             </a:endParaRPr>
           </a:p>
@@ -17511,12 +17248,12 @@
               <a:buFont typeface="Wingdings" pitchFamily="2" charset="2"/>
               <a:buNone/>
             </a:pPr>
-            <a:endParaRPr lang="en-US" altLang="ko-KR" sz="2400" dirty="0" smtClean="0">
+            <a:endParaRPr lang="en-US" altLang="ko-KR" sz="2400" dirty="0">
               <a:ea typeface="굴림" pitchFamily="34" charset="-127"/>
             </a:endParaRPr>
           </a:p>
           <a:p>
-            <a:endParaRPr lang="en-US" dirty="0" smtClean="0"/>
+            <a:endParaRPr lang="en-US" dirty="0"/>
           </a:p>
         </p:txBody>
       </p:sp>
@@ -17542,7 +17279,7 @@
               <a:pPr/>
               <a:t>8</a:t>
             </a:fld>
-            <a:endParaRPr lang="en-US" smtClean="0"/>
+            <a:endParaRPr lang="en-US"/>
           </a:p>
         </p:txBody>
       </p:sp>
@@ -17551,13 +17288,6 @@
   <p:clrMapOvr>
     <a:masterClrMapping/>
   </p:clrMapOvr>
-  <p:timing>
-    <p:tnLst>
-      <p:par>
-        <p:cTn id="1" dur="indefinite" restart="never" nodeType="tmRoot"/>
-      </p:par>
-    </p:tnLst>
-  </p:timing>
 </p:sld>
 </file>
 
@@ -17603,7 +17333,7 @@
               <a:buNone/>
             </a:pPr>
             <a:r>
-              <a:rPr lang="en-US" altLang="ko-KR" sz="2400" smtClean="0">
+              <a:rPr lang="en-US" altLang="ko-KR" sz="2400">
                 <a:ea typeface="굴림" pitchFamily="34" charset="-127"/>
               </a:rPr>
               <a:t>Fig Directory layout for  /etc</a:t>
@@ -17614,7 +17344,7 @@
               <a:buFont typeface="Wingdings" pitchFamily="2" charset="2"/>
               <a:buNone/>
             </a:pPr>
-            <a:endParaRPr lang="en-US" altLang="ko-KR" sz="2000" smtClean="0">
+            <a:endParaRPr lang="en-US" altLang="ko-KR" sz="2000">
               <a:ea typeface="굴림" pitchFamily="34" charset="-127"/>
             </a:endParaRPr>
           </a:p>
@@ -17624,7 +17354,7 @@
               <a:buNone/>
             </a:pPr>
             <a:r>
-              <a:rPr lang="en-US" altLang="ko-KR" sz="2400" smtClean="0">
+              <a:rPr lang="en-US" altLang="ko-KR" sz="2400">
                 <a:ea typeface="굴림" pitchFamily="34" charset="-127"/>
               </a:rPr>
               <a:t>			</a:t>
@@ -17636,17 +17366,17 @@
               <a:buNone/>
             </a:pPr>
             <a:r>
-              <a:rPr lang="en-US" altLang="ko-KR" sz="2400" smtClean="0">
+              <a:rPr lang="en-US" altLang="ko-KR" sz="2400">
                 <a:ea typeface="굴림" pitchFamily="34" charset="-127"/>
               </a:rPr>
               <a:t>			</a:t>
             </a:r>
-            <a:endParaRPr lang="ko-KR" altLang="en-US" smtClean="0">
+            <a:endParaRPr lang="ko-KR" altLang="en-US">
               <a:ea typeface="굴림" pitchFamily="34" charset="-127"/>
             </a:endParaRPr>
           </a:p>
           <a:p>
-            <a:endParaRPr lang="en-US" smtClean="0"/>
+            <a:endParaRPr lang="en-US"/>
           </a:p>
         </p:txBody>
       </p:sp>
@@ -17672,7 +17402,7 @@
               <a:pPr/>
               <a:t>9</a:t>
             </a:fld>
-            <a:endParaRPr lang="en-US" smtClean="0"/>
+            <a:endParaRPr lang="en-US"/>
           </a:p>
         </p:txBody>
       </p:sp>
@@ -17695,9 +17425,27 @@
                 <a:tableStyleId>{5C22544A-7EE6-4342-B048-85BDC9FD1C3A}</a:tableStyleId>
               </a:tblPr>
               <a:tblGrid>
-                <a:gridCol w="3514937"/>
-                <a:gridCol w="3753528"/>
-                <a:gridCol w="3852333"/>
+                <a:gridCol w="3514937">
+                  <a:extLst>
+                    <a:ext uri="{9D8B030D-6E8A-4147-A177-3AD203B41FA5}">
+                      <a16:colId xmlns:a16="http://schemas.microsoft.com/office/drawing/2014/main" val="20000"/>
+                    </a:ext>
+                  </a:extLst>
+                </a:gridCol>
+                <a:gridCol w="3753528">
+                  <a:extLst>
+                    <a:ext uri="{9D8B030D-6E8A-4147-A177-3AD203B41FA5}">
+                      <a16:colId xmlns:a16="http://schemas.microsoft.com/office/drawing/2014/main" val="20001"/>
+                    </a:ext>
+                  </a:extLst>
+                </a:gridCol>
+                <a:gridCol w="3852333">
+                  <a:extLst>
+                    <a:ext uri="{9D8B030D-6E8A-4147-A177-3AD203B41FA5}">
+                      <a16:colId xmlns:a16="http://schemas.microsoft.com/office/drawing/2014/main" val="20002"/>
+                    </a:ext>
+                  </a:extLst>
+                </a:gridCol>
               </a:tblGrid>
               <a:tr h="370840">
                 <a:tc>
@@ -17707,7 +17455,7 @@
                     <a:p>
                       <a:pPr algn="ctr"/>
                       <a:r>
-                        <a:rPr lang="en-US" altLang="ko-KR" sz="1800" dirty="0" smtClean="0"/>
+                        <a:rPr lang="en-US" altLang="ko-KR" sz="1800" dirty="0"/>
                         <a:t>Byte Offset in Directory </a:t>
                       </a:r>
                       <a:endParaRPr lang="en-US" dirty="0"/>
@@ -17738,7 +17486,7 @@
                         <a:defRPr/>
                       </a:pPr>
                       <a:r>
-                        <a:rPr lang="en-US" altLang="ko-KR" sz="2000" dirty="0" smtClean="0"/>
+                        <a:rPr lang="en-US" altLang="ko-KR" sz="2000" dirty="0"/>
                         <a:t>Inode Number (2 bytes)</a:t>
                       </a:r>
                     </a:p>
@@ -17752,7 +17500,7 @@
                     <a:p>
                       <a:pPr algn="ctr"/>
                       <a:r>
-                        <a:rPr lang="en-US" altLang="ko-KR" sz="1800" dirty="0" smtClean="0"/>
+                        <a:rPr lang="en-US" altLang="ko-KR" sz="1800" dirty="0"/>
                         <a:t>File Name</a:t>
                       </a:r>
                       <a:endParaRPr lang="en-US" dirty="0"/>
@@ -17760,6 +17508,11 @@
                   </a:txBody>
                   <a:tcPr marL="121920" marR="121920"/>
                 </a:tc>
+                <a:extLst>
+                  <a:ext uri="{0D108BD9-81ED-4DB2-BD59-A6C34878D82A}">
+                    <a16:rowId xmlns:a16="http://schemas.microsoft.com/office/drawing/2014/main" val="10000"/>
+                  </a:ext>
+                </a:extLst>
               </a:tr>
               <a:tr h="370840">
                 <a:tc>
@@ -17769,7 +17522,7 @@
                     <a:p>
                       <a:pPr algn="ctr"/>
                       <a:r>
-                        <a:rPr lang="en-US" sz="1800" kern="1200" dirty="0" smtClean="0">
+                        <a:rPr lang="en-US" sz="1800" kern="1200" dirty="0">
                           <a:solidFill>
                             <a:schemeClr val="dk1"/>
                           </a:solidFill>
@@ -17783,7 +17536,7 @@
                     <a:p>
                       <a:pPr algn="ctr"/>
                       <a:r>
-                        <a:rPr lang="en-US" sz="1800" kern="1200" dirty="0" smtClean="0">
+                        <a:rPr lang="en-US" sz="1800" kern="1200" dirty="0">
                           <a:solidFill>
                             <a:schemeClr val="dk1"/>
                           </a:solidFill>
@@ -17797,7 +17550,7 @@
                     <a:p>
                       <a:pPr algn="ctr"/>
                       <a:r>
-                        <a:rPr lang="en-US" sz="1800" kern="1200" dirty="0" smtClean="0">
+                        <a:rPr lang="en-US" sz="1800" kern="1200" dirty="0">
                           <a:solidFill>
                             <a:schemeClr val="dk1"/>
                           </a:solidFill>
@@ -17811,7 +17564,7 @@
                     <a:p>
                       <a:pPr algn="ctr"/>
                       <a:r>
-                        <a:rPr lang="en-US" sz="1800" kern="1200" dirty="0" smtClean="0">
+                        <a:rPr lang="en-US" sz="1800" kern="1200" dirty="0">
                           <a:solidFill>
                             <a:schemeClr val="dk1"/>
                           </a:solidFill>
@@ -17825,7 +17578,7 @@
                     <a:p>
                       <a:pPr algn="ctr"/>
                       <a:r>
-                        <a:rPr lang="en-US" sz="1800" kern="1200" dirty="0" smtClean="0">
+                        <a:rPr lang="en-US" sz="1800" kern="1200" dirty="0">
                           <a:solidFill>
                             <a:schemeClr val="dk1"/>
                           </a:solidFill>
@@ -17839,7 +17592,7 @@
                     <a:p>
                       <a:pPr algn="ctr"/>
                       <a:r>
-                        <a:rPr lang="en-US" sz="1800" kern="1200" dirty="0" smtClean="0">
+                        <a:rPr lang="en-US" sz="1800" kern="1200" dirty="0">
                           <a:solidFill>
                             <a:schemeClr val="dk1"/>
                           </a:solidFill>
@@ -17853,7 +17606,7 @@
                     <a:p>
                       <a:pPr algn="ctr"/>
                       <a:r>
-                        <a:rPr lang="en-US" sz="1800" kern="1200" dirty="0" smtClean="0">
+                        <a:rPr lang="en-US" sz="1800" kern="1200" dirty="0">
                           <a:solidFill>
                             <a:schemeClr val="dk1"/>
                           </a:solidFill>
@@ -17867,7 +17620,7 @@
                     <a:p>
                       <a:pPr algn="ctr"/>
                       <a:r>
-                        <a:rPr lang="en-US" sz="1800" kern="1200" dirty="0" smtClean="0">
+                        <a:rPr lang="en-US" sz="1800" kern="1200" dirty="0">
                           <a:solidFill>
                             <a:schemeClr val="dk1"/>
                           </a:solidFill>
@@ -17881,7 +17634,7 @@
                     <a:p>
                       <a:pPr algn="ctr"/>
                       <a:r>
-                        <a:rPr lang="en-US" sz="1800" kern="1200" dirty="0" smtClean="0">
+                        <a:rPr lang="en-US" sz="1800" kern="1200" dirty="0">
                           <a:solidFill>
                             <a:schemeClr val="dk1"/>
                           </a:solidFill>
@@ -17895,7 +17648,7 @@
                     <a:p>
                       <a:pPr algn="ctr"/>
                       <a:r>
-                        <a:rPr lang="en-US" sz="1800" kern="1200" dirty="0" smtClean="0">
+                        <a:rPr lang="en-US" sz="1800" kern="1200" dirty="0">
                           <a:solidFill>
                             <a:schemeClr val="dk1"/>
                           </a:solidFill>
@@ -17909,7 +17662,7 @@
                     <a:p>
                       <a:pPr algn="ctr"/>
                       <a:r>
-                        <a:rPr lang="en-US" sz="1800" kern="1200" dirty="0" smtClean="0">
+                        <a:rPr lang="en-US" sz="1800" kern="1200" dirty="0">
                           <a:solidFill>
                             <a:schemeClr val="dk1"/>
                           </a:solidFill>
@@ -17923,7 +17676,7 @@
                     <a:p>
                       <a:pPr algn="ctr"/>
                       <a:r>
-                        <a:rPr lang="en-US" sz="1800" kern="1200" dirty="0" smtClean="0">
+                        <a:rPr lang="en-US" sz="1800" kern="1200" dirty="0">
                           <a:solidFill>
                             <a:schemeClr val="dk1"/>
                           </a:solidFill>
@@ -17937,7 +17690,7 @@
                     <a:p>
                       <a:pPr algn="ctr"/>
                       <a:r>
-                        <a:rPr lang="en-US" sz="1800" kern="1200" dirty="0" smtClean="0">
+                        <a:rPr lang="en-US" sz="1800" kern="1200" dirty="0">
                           <a:solidFill>
                             <a:schemeClr val="dk1"/>
                           </a:solidFill>
@@ -17951,7 +17704,7 @@
                     <a:p>
                       <a:pPr algn="ctr"/>
                       <a:r>
-                        <a:rPr lang="en-US" sz="1800" kern="1200" dirty="0" smtClean="0">
+                        <a:rPr lang="en-US" sz="1800" kern="1200" dirty="0">
                           <a:solidFill>
                             <a:schemeClr val="dk1"/>
                           </a:solidFill>
@@ -17965,7 +17718,7 @@
                     <a:p>
                       <a:pPr algn="ctr"/>
                       <a:r>
-                        <a:rPr lang="en-US" sz="1800" kern="1200" dirty="0" smtClean="0">
+                        <a:rPr lang="en-US" sz="1800" kern="1200" dirty="0">
                           <a:solidFill>
                             <a:schemeClr val="dk1"/>
                           </a:solidFill>
@@ -17979,7 +17732,7 @@
                     <a:p>
                       <a:pPr algn="ctr"/>
                       <a:r>
-                        <a:rPr lang="en-US" sz="1800" kern="1200" dirty="0" smtClean="0">
+                        <a:rPr lang="en-US" sz="1800" kern="1200" dirty="0">
                           <a:solidFill>
                             <a:schemeClr val="dk1"/>
                           </a:solidFill>
@@ -17993,7 +17746,7 @@
                     <a:p>
                       <a:pPr algn="ctr"/>
                       <a:r>
-                        <a:rPr lang="en-US" sz="1800" kern="1200" dirty="0" smtClean="0">
+                        <a:rPr lang="en-US" sz="1800" kern="1200" dirty="0">
                           <a:solidFill>
                             <a:schemeClr val="dk1"/>
                           </a:solidFill>
@@ -18018,7 +17771,7 @@
                     <a:p>
                       <a:pPr algn="ctr"/>
                       <a:r>
-                        <a:rPr lang="en-US" sz="1800" kern="1200" dirty="0" smtClean="0">
+                        <a:rPr lang="en-US" sz="1800" kern="1200" dirty="0">
                           <a:solidFill>
                             <a:schemeClr val="dk1"/>
                           </a:solidFill>
@@ -18032,7 +17785,7 @@
                     <a:p>
                       <a:pPr algn="ctr"/>
                       <a:r>
-                        <a:rPr lang="en-US" sz="1800" kern="1200" dirty="0" smtClean="0">
+                        <a:rPr lang="en-US" sz="1800" kern="1200" dirty="0">
                           <a:solidFill>
                             <a:schemeClr val="dk1"/>
                           </a:solidFill>
@@ -18046,7 +17799,7 @@
                     <a:p>
                       <a:pPr algn="ctr"/>
                       <a:r>
-                        <a:rPr lang="en-US" sz="1800" kern="1200" dirty="0" smtClean="0">
+                        <a:rPr lang="en-US" sz="1800" kern="1200" dirty="0">
                           <a:solidFill>
                             <a:schemeClr val="dk1"/>
                           </a:solidFill>
@@ -18060,7 +17813,7 @@
                     <a:p>
                       <a:pPr algn="ctr"/>
                       <a:r>
-                        <a:rPr lang="en-US" sz="1800" kern="1200" dirty="0" smtClean="0">
+                        <a:rPr lang="en-US" sz="1800" kern="1200" dirty="0">
                           <a:solidFill>
                             <a:schemeClr val="dk1"/>
                           </a:solidFill>
@@ -18074,7 +17827,7 @@
                     <a:p>
                       <a:pPr algn="ctr"/>
                       <a:r>
-                        <a:rPr lang="en-US" sz="1800" kern="1200" dirty="0" smtClean="0">
+                        <a:rPr lang="en-US" sz="1800" kern="1200" dirty="0">
                           <a:solidFill>
                             <a:schemeClr val="dk1"/>
                           </a:solidFill>
@@ -18088,7 +17841,7 @@
                     <a:p>
                       <a:pPr algn="ctr"/>
                       <a:r>
-                        <a:rPr lang="en-US" sz="1800" kern="1200" dirty="0" smtClean="0">
+                        <a:rPr lang="en-US" sz="1800" kern="1200" dirty="0">
                           <a:solidFill>
                             <a:schemeClr val="dk1"/>
                           </a:solidFill>
@@ -18102,7 +17855,7 @@
                     <a:p>
                       <a:pPr algn="ctr"/>
                       <a:r>
-                        <a:rPr lang="en-US" sz="1800" kern="1200" dirty="0" smtClean="0">
+                        <a:rPr lang="en-US" sz="1800" kern="1200" dirty="0">
                           <a:solidFill>
                             <a:schemeClr val="dk1"/>
                           </a:solidFill>
@@ -18116,7 +17869,7 @@
                     <a:p>
                       <a:pPr algn="ctr"/>
                       <a:r>
-                        <a:rPr lang="en-US" sz="1800" kern="1200" dirty="0" smtClean="0">
+                        <a:rPr lang="en-US" sz="1800" kern="1200" dirty="0">
                           <a:solidFill>
                             <a:schemeClr val="dk1"/>
                           </a:solidFill>
@@ -18130,7 +17883,7 @@
                     <a:p>
                       <a:pPr algn="ctr"/>
                       <a:r>
-                        <a:rPr lang="en-US" sz="1800" kern="1200" dirty="0" smtClean="0">
+                        <a:rPr lang="en-US" sz="1800" kern="1200" dirty="0">
                           <a:solidFill>
                             <a:schemeClr val="dk1"/>
                           </a:solidFill>
@@ -18144,7 +17897,7 @@
                     <a:p>
                       <a:pPr algn="ctr"/>
                       <a:r>
-                        <a:rPr lang="en-US" sz="1800" kern="1200" dirty="0" smtClean="0">
+                        <a:rPr lang="en-US" sz="1800" kern="1200" dirty="0">
                           <a:solidFill>
                             <a:schemeClr val="dk1"/>
                           </a:solidFill>
@@ -18158,7 +17911,7 @@
                     <a:p>
                       <a:pPr algn="ctr"/>
                       <a:r>
-                        <a:rPr lang="en-US" sz="1800" kern="1200" dirty="0" smtClean="0">
+                        <a:rPr lang="en-US" sz="1800" kern="1200" dirty="0">
                           <a:solidFill>
                             <a:schemeClr val="dk1"/>
                           </a:solidFill>
@@ -18172,7 +17925,7 @@
                     <a:p>
                       <a:pPr algn="ctr"/>
                       <a:r>
-                        <a:rPr lang="en-US" sz="1800" kern="1200" dirty="0" smtClean="0">
+                        <a:rPr lang="en-US" sz="1800" kern="1200" dirty="0">
                           <a:solidFill>
                             <a:schemeClr val="dk1"/>
                           </a:solidFill>
@@ -18186,7 +17939,7 @@
                     <a:p>
                       <a:pPr algn="ctr"/>
                       <a:r>
-                        <a:rPr lang="en-US" sz="1800" kern="1200" dirty="0" smtClean="0">
+                        <a:rPr lang="en-US" sz="1800" kern="1200" dirty="0">
                           <a:solidFill>
                             <a:schemeClr val="dk1"/>
                           </a:solidFill>
@@ -18200,7 +17953,7 @@
                     <a:p>
                       <a:pPr algn="ctr"/>
                       <a:r>
-                        <a:rPr lang="en-US" sz="1800" kern="1200" dirty="0" smtClean="0">
+                        <a:rPr lang="en-US" sz="1800" kern="1200" dirty="0">
                           <a:solidFill>
                             <a:schemeClr val="dk1"/>
                           </a:solidFill>
@@ -18214,7 +17967,7 @@
                     <a:p>
                       <a:pPr algn="ctr"/>
                       <a:r>
-                        <a:rPr lang="en-US" sz="1800" kern="1200" dirty="0" smtClean="0">
+                        <a:rPr lang="en-US" sz="1800" kern="1200" dirty="0">
                           <a:solidFill>
                             <a:schemeClr val="dk1"/>
                           </a:solidFill>
@@ -18228,7 +17981,7 @@
                     <a:p>
                       <a:pPr algn="ctr"/>
                       <a:r>
-                        <a:rPr lang="en-US" sz="1800" kern="1200" dirty="0" smtClean="0">
+                        <a:rPr lang="en-US" sz="1800" kern="1200" dirty="0">
                           <a:solidFill>
                             <a:schemeClr val="dk1"/>
                           </a:solidFill>
@@ -18242,7 +17995,7 @@
                     <a:p>
                       <a:pPr algn="ctr"/>
                       <a:r>
-                        <a:rPr lang="en-US" sz="1800" kern="1200" dirty="0" smtClean="0">
+                        <a:rPr lang="en-US" sz="1800" kern="1200" dirty="0">
                           <a:solidFill>
                             <a:schemeClr val="dk1"/>
                           </a:solidFill>
@@ -18266,7 +18019,7 @@
                     <a:lstStyle/>
                     <a:p>
                       <a:pPr algn="ctr"/>
-                      <a:endParaRPr lang="en-US" sz="1800" kern="1200" dirty="0" smtClean="0">
+                      <a:endParaRPr lang="en-US" sz="1800" kern="1200" dirty="0">
                         <a:solidFill>
                           <a:schemeClr val="dk1"/>
                         </a:solidFill>
@@ -18282,7 +18035,7 @@
                         </a:tabLst>
                       </a:pPr>
                       <a:r>
-                        <a:rPr lang="en-US" sz="1800" kern="1200" dirty="0" smtClean="0">
+                        <a:rPr lang="en-US" sz="1800" kern="1200" dirty="0">
                           <a:solidFill>
                             <a:schemeClr val="dk1"/>
                           </a:solidFill>
@@ -18300,7 +18053,7 @@
                         </a:tabLst>
                       </a:pPr>
                       <a:r>
-                        <a:rPr lang="en-US" sz="1800" kern="1200" dirty="0" smtClean="0">
+                        <a:rPr lang="en-US" sz="1800" kern="1200" dirty="0">
                           <a:solidFill>
                             <a:schemeClr val="dk1"/>
                           </a:solidFill>
@@ -18318,7 +18071,7 @@
                         </a:tabLst>
                       </a:pPr>
                       <a:r>
-                        <a:rPr lang="en-US" sz="1800" kern="1200" dirty="0" err="1" smtClean="0">
+                        <a:rPr lang="en-US" sz="1800" kern="1200" dirty="0" err="1">
                           <a:solidFill>
                             <a:schemeClr val="dk1"/>
                           </a:solidFill>
@@ -18328,7 +18081,7 @@
                         </a:rPr>
                         <a:t>fsck</a:t>
                       </a:r>
-                      <a:endParaRPr lang="en-US" sz="1800" kern="1200" dirty="0" smtClean="0">
+                      <a:endParaRPr lang="en-US" sz="1800" kern="1200" dirty="0">
                         <a:solidFill>
                           <a:schemeClr val="dk1"/>
                         </a:solidFill>
@@ -18344,7 +18097,7 @@
                         </a:tabLst>
                       </a:pPr>
                       <a:r>
-                        <a:rPr lang="en-US" sz="1800" kern="1200" dirty="0" err="1" smtClean="0">
+                        <a:rPr lang="en-US" sz="1800" kern="1200" dirty="0" err="1">
                           <a:solidFill>
                             <a:schemeClr val="dk1"/>
                           </a:solidFill>
@@ -18354,7 +18107,7 @@
                         </a:rPr>
                         <a:t>clri</a:t>
                       </a:r>
-                      <a:endParaRPr lang="en-US" sz="1800" kern="1200" dirty="0" smtClean="0">
+                      <a:endParaRPr lang="en-US" sz="1800" kern="1200" dirty="0">
                         <a:solidFill>
                           <a:schemeClr val="dk1"/>
                         </a:solidFill>
@@ -18370,7 +18123,7 @@
                         </a:tabLst>
                       </a:pPr>
                       <a:r>
-                        <a:rPr lang="en-US" sz="1800" kern="1200" dirty="0" err="1" smtClean="0">
+                        <a:rPr lang="en-US" sz="1800" kern="1200" dirty="0" err="1">
                           <a:solidFill>
                             <a:schemeClr val="dk1"/>
                           </a:solidFill>
@@ -18380,7 +18133,7 @@
                         </a:rPr>
                         <a:t>motd</a:t>
                       </a:r>
-                      <a:endParaRPr lang="en-US" sz="1800" kern="1200" dirty="0" smtClean="0">
+                      <a:endParaRPr lang="en-US" sz="1800" kern="1200" dirty="0">
                         <a:solidFill>
                           <a:schemeClr val="dk1"/>
                         </a:solidFill>
@@ -18396,7 +18149,7 @@
                         </a:tabLst>
                       </a:pPr>
                       <a:r>
-                        <a:rPr lang="en-US" sz="1800" kern="1200" dirty="0" smtClean="0">
+                        <a:rPr lang="en-US" sz="1800" kern="1200" dirty="0">
                           <a:solidFill>
                             <a:schemeClr val="dk1"/>
                           </a:solidFill>
@@ -18414,7 +18167,7 @@
                         </a:tabLst>
                       </a:pPr>
                       <a:r>
-                        <a:rPr lang="en-US" sz="1800" kern="1200" dirty="0" err="1" smtClean="0">
+                        <a:rPr lang="en-US" sz="1800" kern="1200" dirty="0" err="1">
                           <a:solidFill>
                             <a:schemeClr val="dk1"/>
                           </a:solidFill>
@@ -18424,7 +18177,7 @@
                         </a:rPr>
                         <a:t>mknod</a:t>
                       </a:r>
-                      <a:endParaRPr lang="en-US" sz="1800" kern="1200" dirty="0" smtClean="0">
+                      <a:endParaRPr lang="en-US" sz="1800" kern="1200" dirty="0">
                         <a:solidFill>
                           <a:schemeClr val="dk1"/>
                         </a:solidFill>
@@ -18440,7 +18193,7 @@
                         </a:tabLst>
                       </a:pPr>
                       <a:r>
-                        <a:rPr lang="en-US" sz="1800" kern="1200" dirty="0" err="1" smtClean="0">
+                        <a:rPr lang="en-US" sz="1800" kern="1200" dirty="0" err="1">
                           <a:solidFill>
                             <a:schemeClr val="dk1"/>
                           </a:solidFill>
@@ -18450,7 +18203,7 @@
                         </a:rPr>
                         <a:t>passwd</a:t>
                       </a:r>
-                      <a:endParaRPr lang="en-US" sz="1800" kern="1200" dirty="0" smtClean="0">
+                      <a:endParaRPr lang="en-US" sz="1800" kern="1200" dirty="0">
                         <a:solidFill>
                           <a:schemeClr val="dk1"/>
                         </a:solidFill>
@@ -18466,7 +18219,7 @@
                         </a:tabLst>
                       </a:pPr>
                       <a:r>
-                        <a:rPr lang="en-US" sz="1800" kern="1200" dirty="0" err="1" smtClean="0">
+                        <a:rPr lang="en-US" sz="1800" kern="1200" dirty="0" err="1">
                           <a:solidFill>
                             <a:schemeClr val="dk1"/>
                           </a:solidFill>
@@ -18476,7 +18229,7 @@
                         </a:rPr>
                         <a:t>umount</a:t>
                       </a:r>
-                      <a:endParaRPr lang="en-US" sz="1800" kern="1200" dirty="0" smtClean="0">
+                      <a:endParaRPr lang="en-US" sz="1800" kern="1200" dirty="0">
                         <a:solidFill>
                           <a:schemeClr val="dk1"/>
                         </a:solidFill>
@@ -18492,7 +18245,7 @@
                         </a:tabLst>
                       </a:pPr>
                       <a:r>
-                        <a:rPr lang="en-US" sz="1800" kern="1200" dirty="0" smtClean="0">
+                        <a:rPr lang="en-US" sz="1800" kern="1200" dirty="0">
                           <a:solidFill>
                             <a:schemeClr val="dk1"/>
                           </a:solidFill>
@@ -18510,7 +18263,7 @@
                         </a:tabLst>
                       </a:pPr>
                       <a:r>
-                        <a:rPr lang="en-US" sz="1800" kern="1200" dirty="0" err="1" smtClean="0">
+                        <a:rPr lang="en-US" sz="1800" kern="1200" dirty="0" err="1">
                           <a:solidFill>
                             <a:schemeClr val="dk1"/>
                           </a:solidFill>
@@ -18520,7 +18273,7 @@
                         </a:rPr>
                         <a:t>fsdblb</a:t>
                       </a:r>
-                      <a:endParaRPr lang="en-US" sz="1800" kern="1200" dirty="0" smtClean="0">
+                      <a:endParaRPr lang="en-US" sz="1800" kern="1200" dirty="0">
                         <a:solidFill>
                           <a:schemeClr val="dk1"/>
                         </a:solidFill>
@@ -18536,7 +18289,7 @@
                         </a:tabLst>
                       </a:pPr>
                       <a:r>
-                        <a:rPr lang="en-US" sz="1800" kern="1200" dirty="0" err="1" smtClean="0">
+                        <a:rPr lang="en-US" sz="1800" kern="1200" dirty="0" err="1">
                           <a:solidFill>
                             <a:schemeClr val="dk1"/>
                           </a:solidFill>
@@ -18546,7 +18299,7 @@
                         </a:rPr>
                         <a:t>config</a:t>
                       </a:r>
-                      <a:endParaRPr lang="en-US" sz="1800" kern="1200" dirty="0" smtClean="0">
+                      <a:endParaRPr lang="en-US" sz="1800" kern="1200" dirty="0">
                         <a:solidFill>
                           <a:schemeClr val="dk1"/>
                         </a:solidFill>
@@ -18562,7 +18315,7 @@
                         </a:tabLst>
                       </a:pPr>
                       <a:r>
-                        <a:rPr lang="en-US" sz="1800" kern="1200" dirty="0" err="1" smtClean="0">
+                        <a:rPr lang="en-US" sz="1800" kern="1200" dirty="0" err="1">
                           <a:solidFill>
                             <a:schemeClr val="dk1"/>
                           </a:solidFill>
@@ -18572,7 +18325,7 @@
                         </a:rPr>
                         <a:t>getty</a:t>
                       </a:r>
-                      <a:endParaRPr lang="en-US" sz="1800" kern="1200" dirty="0" smtClean="0">
+                      <a:endParaRPr lang="en-US" sz="1800" kern="1200" dirty="0">
                         <a:solidFill>
                           <a:schemeClr val="dk1"/>
                         </a:solidFill>
@@ -18588,7 +18341,7 @@
                         </a:tabLst>
                       </a:pPr>
                       <a:r>
-                        <a:rPr lang="en-US" sz="1800" kern="1200" dirty="0" smtClean="0">
+                        <a:rPr lang="en-US" sz="1800" kern="1200" dirty="0">
                           <a:solidFill>
                             <a:schemeClr val="dk1"/>
                           </a:solidFill>
@@ -18606,7 +18359,7 @@
                         </a:tabLst>
                       </a:pPr>
                       <a:r>
-                        <a:rPr lang="en-US" sz="1800" kern="1200" dirty="0" err="1" smtClean="0">
+                        <a:rPr lang="en-US" sz="1800" kern="1200" dirty="0" err="1">
                           <a:solidFill>
                             <a:schemeClr val="dk1"/>
                           </a:solidFill>
@@ -18616,7 +18369,7 @@
                         </a:rPr>
                         <a:t>mkfs</a:t>
                       </a:r>
-                      <a:endParaRPr lang="en-US" sz="1800" kern="1200" dirty="0" smtClean="0">
+                      <a:endParaRPr lang="en-US" sz="1800" kern="1200" dirty="0">
                         <a:solidFill>
                           <a:schemeClr val="dk1"/>
                         </a:solidFill>
@@ -18632,7 +18385,7 @@
                         </a:tabLst>
                       </a:pPr>
                       <a:r>
-                        <a:rPr lang="en-US" sz="1800" kern="1200" dirty="0" err="1" smtClean="0">
+                        <a:rPr lang="en-US" sz="1800" kern="1200" dirty="0" err="1">
                           <a:solidFill>
                             <a:schemeClr val="dk1"/>
                           </a:solidFill>
@@ -18642,7 +18395,7 @@
                         </a:rPr>
                         <a:t>inittab</a:t>
                       </a:r>
-                      <a:endParaRPr lang="en-US" sz="1800" kern="1200" dirty="0" smtClean="0">
+                      <a:endParaRPr lang="en-US" sz="1800" kern="1200" dirty="0">
                         <a:solidFill>
                           <a:schemeClr val="dk1"/>
                         </a:solidFill>
@@ -18662,6 +18415,11 @@
                   </a:txBody>
                   <a:tcPr marL="121920" marR="121920"/>
                 </a:tc>
+                <a:extLst>
+                  <a:ext uri="{0D108BD9-81ED-4DB2-BD59-A6C34878D82A}">
+                    <a16:rowId xmlns:a16="http://schemas.microsoft.com/office/drawing/2014/main" val="10001"/>
+                  </a:ext>
+                </a:extLst>
               </a:tr>
             </a:tbl>
           </a:graphicData>
@@ -18672,13 +18430,6 @@
   <p:clrMapOvr>
     <a:masterClrMapping/>
   </p:clrMapOvr>
-  <p:timing>
-    <p:tnLst>
-      <p:par>
-        <p:cTn id="1" dur="indefinite" restart="never" nodeType="tmRoot"/>
-      </p:par>
-    </p:tnLst>
-  </p:timing>
 </p:sld>
 </file>
 
@@ -18964,7 +18715,7 @@
   <a:extraClrSchemeLst/>
   <a:extLst>
     <a:ext uri="{05A4C25C-085E-4340-85A3-A5531E510DB2}">
-      <thm15:themeFamily xmlns="" xmlns:thm15="http://schemas.microsoft.com/office/thememl/2012/main" name="BITS-Pilani" id="{149CD0C0-28E3-4C2F-AF3A-232E90E9B6E4}" vid="{073E1853-0CBD-423C-90CE-F0ACCE0E50C5}"/>
+      <thm15:themeFamily xmlns:thm15="http://schemas.microsoft.com/office/thememl/2012/main" name="BITS-Pilani" id="{149CD0C0-28E3-4C2F-AF3A-232E90E9B6E4}" vid="{073E1853-0CBD-423C-90CE-F0ACCE0E50C5}"/>
     </a:ext>
   </a:extLst>
 </a:theme>
@@ -19225,7 +18976,7 @@
   <a:extraClrSchemeLst/>
   <a:extLst>
     <a:ext uri="{05A4C25C-085E-4340-85A3-A5531E510DB2}">
-      <thm15:themeFamily xmlns="" xmlns:thm15="http://schemas.microsoft.com/office/thememl/2012/main" name="Office Theme" id="{62F939B6-93AF-4DB8-9C6B-D6C7DFDC589F}" vid="{4A3C46E8-61CC-4603-A589-7422A47A8E4A}"/>
+      <thm15:themeFamily xmlns:thm15="http://schemas.microsoft.com/office/thememl/2012/main" name="Office Theme" id="{62F939B6-93AF-4DB8-9C6B-D6C7DFDC589F}" vid="{4A3C46E8-61CC-4603-A589-7422A47A8E4A}"/>
     </a:ext>
   </a:extLst>
 </a:theme>
@@ -19486,7 +19237,7 @@
   <a:extraClrSchemeLst/>
   <a:extLst>
     <a:ext uri="{05A4C25C-085E-4340-85A3-A5531E510DB2}">
-      <thm15:themeFamily xmlns="" xmlns:thm15="http://schemas.microsoft.com/office/thememl/2012/main" name="Office Theme" id="{62F939B6-93AF-4DB8-9C6B-D6C7DFDC589F}" vid="{4A3C46E8-61CC-4603-A589-7422A47A8E4A}"/>
+      <thm15:themeFamily xmlns:thm15="http://schemas.microsoft.com/office/thememl/2012/main" name="Office Theme" id="{62F939B6-93AF-4DB8-9C6B-D6C7DFDC589F}" vid="{4A3C46E8-61CC-4603-A589-7422A47A8E4A}"/>
     </a:ext>
   </a:extLst>
 </a:theme>
